--- a/res_md/구성도.pptx
+++ b/res_md/구성도.pptx
@@ -243,7 +243,7 @@
           <a:p>
             <a:fld id="{3A9E4D80-7351-4BC1-AA95-AE1C96B44903}" type="datetimeFigureOut">
               <a:rPr lang="ko-KR" altLang="en-US" smtClean="0"/>
-              <a:t>2016-10-04</a:t>
+              <a:t>2016-11-08</a:t>
             </a:fld>
             <a:endParaRPr lang="ko-KR" altLang="en-US"/>
           </a:p>
@@ -413,7 +413,7 @@
           <a:p>
             <a:fld id="{3A9E4D80-7351-4BC1-AA95-AE1C96B44903}" type="datetimeFigureOut">
               <a:rPr lang="ko-KR" altLang="en-US" smtClean="0"/>
-              <a:t>2016-10-04</a:t>
+              <a:t>2016-11-08</a:t>
             </a:fld>
             <a:endParaRPr lang="ko-KR" altLang="en-US"/>
           </a:p>
@@ -593,7 +593,7 @@
           <a:p>
             <a:fld id="{3A9E4D80-7351-4BC1-AA95-AE1C96B44903}" type="datetimeFigureOut">
               <a:rPr lang="ko-KR" altLang="en-US" smtClean="0"/>
-              <a:t>2016-10-04</a:t>
+              <a:t>2016-11-08</a:t>
             </a:fld>
             <a:endParaRPr lang="ko-KR" altLang="en-US"/>
           </a:p>
@@ -763,7 +763,7 @@
           <a:p>
             <a:fld id="{3A9E4D80-7351-4BC1-AA95-AE1C96B44903}" type="datetimeFigureOut">
               <a:rPr lang="ko-KR" altLang="en-US" smtClean="0"/>
-              <a:t>2016-10-04</a:t>
+              <a:t>2016-11-08</a:t>
             </a:fld>
             <a:endParaRPr lang="ko-KR" altLang="en-US"/>
           </a:p>
@@ -1009,7 +1009,7 @@
           <a:p>
             <a:fld id="{3A9E4D80-7351-4BC1-AA95-AE1C96B44903}" type="datetimeFigureOut">
               <a:rPr lang="ko-KR" altLang="en-US" smtClean="0"/>
-              <a:t>2016-10-04</a:t>
+              <a:t>2016-11-08</a:t>
             </a:fld>
             <a:endParaRPr lang="ko-KR" altLang="en-US"/>
           </a:p>
@@ -1241,7 +1241,7 @@
           <a:p>
             <a:fld id="{3A9E4D80-7351-4BC1-AA95-AE1C96B44903}" type="datetimeFigureOut">
               <a:rPr lang="ko-KR" altLang="en-US" smtClean="0"/>
-              <a:t>2016-10-04</a:t>
+              <a:t>2016-11-08</a:t>
             </a:fld>
             <a:endParaRPr lang="ko-KR" altLang="en-US"/>
           </a:p>
@@ -1608,7 +1608,7 @@
           <a:p>
             <a:fld id="{3A9E4D80-7351-4BC1-AA95-AE1C96B44903}" type="datetimeFigureOut">
               <a:rPr lang="ko-KR" altLang="en-US" smtClean="0"/>
-              <a:t>2016-10-04</a:t>
+              <a:t>2016-11-08</a:t>
             </a:fld>
             <a:endParaRPr lang="ko-KR" altLang="en-US"/>
           </a:p>
@@ -1726,7 +1726,7 @@
           <a:p>
             <a:fld id="{3A9E4D80-7351-4BC1-AA95-AE1C96B44903}" type="datetimeFigureOut">
               <a:rPr lang="ko-KR" altLang="en-US" smtClean="0"/>
-              <a:t>2016-10-04</a:t>
+              <a:t>2016-11-08</a:t>
             </a:fld>
             <a:endParaRPr lang="ko-KR" altLang="en-US"/>
           </a:p>
@@ -1821,7 +1821,7 @@
           <a:p>
             <a:fld id="{3A9E4D80-7351-4BC1-AA95-AE1C96B44903}" type="datetimeFigureOut">
               <a:rPr lang="ko-KR" altLang="en-US" smtClean="0"/>
-              <a:t>2016-10-04</a:t>
+              <a:t>2016-11-08</a:t>
             </a:fld>
             <a:endParaRPr lang="ko-KR" altLang="en-US"/>
           </a:p>
@@ -2098,7 +2098,7 @@
           <a:p>
             <a:fld id="{3A9E4D80-7351-4BC1-AA95-AE1C96B44903}" type="datetimeFigureOut">
               <a:rPr lang="ko-KR" altLang="en-US" smtClean="0"/>
-              <a:t>2016-10-04</a:t>
+              <a:t>2016-11-08</a:t>
             </a:fld>
             <a:endParaRPr lang="ko-KR" altLang="en-US"/>
           </a:p>
@@ -2351,7 +2351,7 @@
           <a:p>
             <a:fld id="{3A9E4D80-7351-4BC1-AA95-AE1C96B44903}" type="datetimeFigureOut">
               <a:rPr lang="ko-KR" altLang="en-US" smtClean="0"/>
-              <a:t>2016-10-04</a:t>
+              <a:t>2016-11-08</a:t>
             </a:fld>
             <a:endParaRPr lang="ko-KR" altLang="en-US"/>
           </a:p>
@@ -2564,7 +2564,7 @@
           <a:p>
             <a:fld id="{3A9E4D80-7351-4BC1-AA95-AE1C96B44903}" type="datetimeFigureOut">
               <a:rPr lang="ko-KR" altLang="en-US" smtClean="0"/>
-              <a:t>2016-10-04</a:t>
+              <a:t>2016-11-08</a:t>
             </a:fld>
             <a:endParaRPr lang="ko-KR" altLang="en-US"/>
           </a:p>
@@ -2969,1664 +2969,1679 @@
           <a:chExt cx="0" cy="0"/>
         </a:xfrm>
       </p:grpSpPr>
-      <p:sp>
-        <p:nvSpPr>
-          <p:cNvPr id="4" name="평행 사변형 3"/>
-          <p:cNvSpPr/>
+      <p:grpSp>
+        <p:nvGrpSpPr>
+          <p:cNvPr id="2" name="그룹 1"/>
+          <p:cNvGrpSpPr/>
           <p:nvPr/>
-        </p:nvSpPr>
-        <p:spPr>
+        </p:nvGrpSpPr>
+        <p:grpSpPr>
           <a:xfrm>
-            <a:off x="5486400" y="4787154"/>
-            <a:ext cx="3184264" cy="1624404"/>
+            <a:off x="958228" y="317739"/>
+            <a:ext cx="9529500" cy="6444759"/>
+            <a:chOff x="168519" y="246488"/>
+            <a:chExt cx="9529500" cy="6444759"/>
           </a:xfrm>
-          <a:prstGeom prst="parallelogram">
-            <a:avLst/>
-          </a:prstGeom>
-        </p:spPr>
-        <p:style>
-          <a:lnRef idx="1">
-            <a:schemeClr val="accent1"/>
-          </a:lnRef>
-          <a:fillRef idx="2">
-            <a:schemeClr val="accent1"/>
-          </a:fillRef>
-          <a:effectRef idx="1">
-            <a:schemeClr val="accent1"/>
-          </a:effectRef>
-          <a:fontRef idx="minor">
-            <a:schemeClr val="dk1"/>
-          </a:fontRef>
-        </p:style>
-        <p:txBody>
-          <a:bodyPr rtlCol="0" anchor="ctr"/>
-          <a:lstStyle/>
-          <a:p>
-            <a:pPr algn="ctr"/>
-            <a:endParaRPr lang="ko-KR" altLang="en-US"/>
-          </a:p>
-        </p:txBody>
-      </p:sp>
-      <p:sp>
-        <p:nvSpPr>
-          <p:cNvPr id="6" name="평행 사변형 5"/>
-          <p:cNvSpPr/>
-          <p:nvPr/>
-        </p:nvSpPr>
-        <p:spPr>
-          <a:xfrm>
-            <a:off x="5486400" y="4100457"/>
-            <a:ext cx="3184264" cy="1624404"/>
-          </a:xfrm>
-          <a:prstGeom prst="parallelogram">
-            <a:avLst/>
-          </a:prstGeom>
-        </p:spPr>
-        <p:style>
-          <a:lnRef idx="2">
-            <a:schemeClr val="accent5">
-              <a:shade val="50000"/>
-            </a:schemeClr>
-          </a:lnRef>
-          <a:fillRef idx="1">
-            <a:schemeClr val="accent5"/>
-          </a:fillRef>
-          <a:effectRef idx="0">
-            <a:schemeClr val="accent5"/>
-          </a:effectRef>
-          <a:fontRef idx="minor">
-            <a:schemeClr val="lt1"/>
-          </a:fontRef>
-        </p:style>
-        <p:txBody>
-          <a:bodyPr rtlCol="0" anchor="ctr"/>
-          <a:lstStyle/>
-          <a:p>
-            <a:pPr algn="ctr"/>
-            <a:endParaRPr lang="ko-KR" altLang="en-US"/>
-          </a:p>
-        </p:txBody>
-      </p:sp>
-      <p:sp>
-        <p:nvSpPr>
-          <p:cNvPr id="7" name="TextBox 6"/>
-          <p:cNvSpPr txBox="1"/>
-          <p:nvPr/>
-        </p:nvSpPr>
-        <p:spPr>
-          <a:xfrm>
-            <a:off x="6260951" y="5853963"/>
-            <a:ext cx="1107996" cy="369332"/>
-          </a:xfrm>
-          <a:prstGeom prst="rect">
-            <a:avLst/>
-          </a:prstGeom>
-          <a:noFill/>
-        </p:spPr>
-        <p:txBody>
-          <a:bodyPr wrap="none" rtlCol="0">
-            <a:spAutoFit/>
-          </a:bodyPr>
-          <a:lstStyle/>
-          <a:p>
-            <a:r>
-              <a:rPr lang="ko-KR" altLang="en-US" dirty="0" err="1" smtClean="0"/>
-              <a:t>아두이노</a:t>
-            </a:r>
-            <a:endParaRPr lang="ko-KR" altLang="en-US" dirty="0"/>
-          </a:p>
-        </p:txBody>
-      </p:sp>
-      <p:sp>
-        <p:nvSpPr>
-          <p:cNvPr id="8" name="TextBox 7"/>
-          <p:cNvSpPr txBox="1"/>
-          <p:nvPr/>
-        </p:nvSpPr>
-        <p:spPr>
-          <a:xfrm>
-            <a:off x="6293702" y="4851700"/>
-            <a:ext cx="1569660" cy="369332"/>
-          </a:xfrm>
-          <a:prstGeom prst="rect">
-            <a:avLst/>
-          </a:prstGeom>
-          <a:noFill/>
-        </p:spPr>
-        <p:txBody>
-          <a:bodyPr wrap="none" rtlCol="0">
-            <a:spAutoFit/>
-          </a:bodyPr>
-          <a:lstStyle/>
-          <a:p>
-            <a:r>
-              <a:rPr lang="ko-KR" altLang="en-US" dirty="0" err="1" smtClean="0"/>
-              <a:t>와이파이쉴드</a:t>
-            </a:r>
-            <a:endParaRPr lang="ko-KR" altLang="en-US" dirty="0"/>
-          </a:p>
-        </p:txBody>
-      </p:sp>
-      <p:sp>
-        <p:nvSpPr>
-          <p:cNvPr id="9" name="평행 사변형 8"/>
-          <p:cNvSpPr/>
-          <p:nvPr/>
-        </p:nvSpPr>
-        <p:spPr>
-          <a:xfrm>
-            <a:off x="4459045" y="3212941"/>
-            <a:ext cx="5238974" cy="1445111"/>
-          </a:xfrm>
-          <a:prstGeom prst="parallelogram">
-            <a:avLst/>
-          </a:prstGeom>
-        </p:spPr>
-        <p:style>
-          <a:lnRef idx="1">
-            <a:schemeClr val="accent4"/>
-          </a:lnRef>
-          <a:fillRef idx="2">
-            <a:schemeClr val="accent4"/>
-          </a:fillRef>
-          <a:effectRef idx="1">
-            <a:schemeClr val="accent4"/>
-          </a:effectRef>
-          <a:fontRef idx="minor">
-            <a:schemeClr val="dk1"/>
-          </a:fontRef>
-        </p:style>
-        <p:txBody>
-          <a:bodyPr rtlCol="0" anchor="ctr"/>
-          <a:lstStyle/>
-          <a:p>
-            <a:pPr algn="ctr"/>
-            <a:endParaRPr lang="ko-KR" altLang="en-US"/>
-          </a:p>
-        </p:txBody>
-      </p:sp>
-      <p:sp>
-        <p:nvSpPr>
-          <p:cNvPr id="10" name="TextBox 9"/>
-          <p:cNvSpPr txBox="1"/>
-          <p:nvPr/>
-        </p:nvSpPr>
-        <p:spPr>
-          <a:xfrm>
-            <a:off x="6409118" y="3698852"/>
-            <a:ext cx="1338828" cy="369332"/>
-          </a:xfrm>
-          <a:prstGeom prst="rect">
-            <a:avLst/>
-          </a:prstGeom>
-          <a:noFill/>
-        </p:spPr>
-        <p:txBody>
-          <a:bodyPr wrap="none" rtlCol="0">
-            <a:spAutoFit/>
-          </a:bodyPr>
-          <a:lstStyle/>
-          <a:p>
-            <a:r>
-              <a:rPr lang="ko-KR" altLang="en-US" dirty="0" err="1" smtClean="0"/>
-              <a:t>브레드보드</a:t>
-            </a:r>
-            <a:endParaRPr lang="ko-KR" altLang="en-US" dirty="0"/>
-          </a:p>
-        </p:txBody>
-      </p:sp>
-      <p:sp>
-        <p:nvSpPr>
-          <p:cNvPr id="11" name="평행 사변형 10"/>
-          <p:cNvSpPr/>
-          <p:nvPr/>
-        </p:nvSpPr>
-        <p:spPr>
-          <a:xfrm>
-            <a:off x="5518631" y="2066325"/>
-            <a:ext cx="3442447" cy="120104"/>
-          </a:xfrm>
-          <a:prstGeom prst="parallelogram">
-            <a:avLst/>
-          </a:prstGeom>
-          <a:solidFill>
-            <a:srgbClr val="F42900"/>
-          </a:solidFill>
-        </p:spPr>
-        <p:style>
-          <a:lnRef idx="2">
-            <a:schemeClr val="accent6">
-              <a:shade val="50000"/>
-            </a:schemeClr>
-          </a:lnRef>
-          <a:fillRef idx="1">
-            <a:schemeClr val="accent6"/>
-          </a:fillRef>
-          <a:effectRef idx="0">
-            <a:schemeClr val="accent6"/>
-          </a:effectRef>
-          <a:fontRef idx="minor">
-            <a:schemeClr val="lt1"/>
-          </a:fontRef>
-        </p:style>
-        <p:txBody>
-          <a:bodyPr rtlCol="0" anchor="ctr"/>
-          <a:lstStyle/>
-          <a:p>
-            <a:pPr algn="ctr"/>
-            <a:endParaRPr lang="ko-KR" altLang="en-US"/>
-          </a:p>
-        </p:txBody>
-      </p:sp>
-      <p:sp>
-        <p:nvSpPr>
-          <p:cNvPr id="12" name="평행 사변형 11"/>
-          <p:cNvSpPr/>
-          <p:nvPr/>
-        </p:nvSpPr>
-        <p:spPr>
-          <a:xfrm>
-            <a:off x="5518631" y="2258187"/>
-            <a:ext cx="3442447" cy="120104"/>
-          </a:xfrm>
-          <a:prstGeom prst="parallelogram">
-            <a:avLst/>
-          </a:prstGeom>
-          <a:solidFill>
-            <a:srgbClr val="F42900"/>
-          </a:solidFill>
-        </p:spPr>
-        <p:style>
-          <a:lnRef idx="2">
-            <a:schemeClr val="accent6">
-              <a:shade val="50000"/>
-            </a:schemeClr>
-          </a:lnRef>
-          <a:fillRef idx="1">
-            <a:schemeClr val="accent6"/>
-          </a:fillRef>
-          <a:effectRef idx="0">
-            <a:schemeClr val="accent6"/>
-          </a:effectRef>
-          <a:fontRef idx="minor">
-            <a:schemeClr val="lt1"/>
-          </a:fontRef>
-        </p:style>
-        <p:txBody>
-          <a:bodyPr rtlCol="0" anchor="ctr"/>
-          <a:lstStyle/>
-          <a:p>
-            <a:pPr algn="ctr"/>
-            <a:endParaRPr lang="ko-KR" altLang="en-US"/>
-          </a:p>
-        </p:txBody>
-      </p:sp>
-      <p:sp>
-        <p:nvSpPr>
-          <p:cNvPr id="13" name="평행 사변형 12"/>
-          <p:cNvSpPr/>
-          <p:nvPr/>
-        </p:nvSpPr>
-        <p:spPr>
-          <a:xfrm>
-            <a:off x="5518631" y="2469725"/>
-            <a:ext cx="3442447" cy="120104"/>
-          </a:xfrm>
-          <a:prstGeom prst="parallelogram">
-            <a:avLst/>
-          </a:prstGeom>
-          <a:solidFill>
-            <a:srgbClr val="F42900"/>
-          </a:solidFill>
-        </p:spPr>
-        <p:style>
-          <a:lnRef idx="2">
-            <a:schemeClr val="accent1">
-              <a:shade val="50000"/>
-            </a:schemeClr>
-          </a:lnRef>
-          <a:fillRef idx="1">
-            <a:schemeClr val="accent1"/>
-          </a:fillRef>
-          <a:effectRef idx="0">
-            <a:schemeClr val="accent1"/>
-          </a:effectRef>
-          <a:fontRef idx="minor">
-            <a:schemeClr val="lt1"/>
-          </a:fontRef>
-        </p:style>
-        <p:txBody>
-          <a:bodyPr rtlCol="0" anchor="ctr"/>
-          <a:lstStyle/>
-          <a:p>
-            <a:pPr algn="ctr"/>
-            <a:endParaRPr lang="ko-KR" altLang="en-US"/>
-          </a:p>
-        </p:txBody>
-      </p:sp>
-      <p:sp>
-        <p:nvSpPr>
-          <p:cNvPr id="14" name="평행 사변형 13"/>
-          <p:cNvSpPr/>
-          <p:nvPr/>
-        </p:nvSpPr>
-        <p:spPr>
-          <a:xfrm>
-            <a:off x="5518631" y="2717156"/>
-            <a:ext cx="3442447" cy="120104"/>
-          </a:xfrm>
-          <a:prstGeom prst="parallelogram">
-            <a:avLst/>
-          </a:prstGeom>
-          <a:solidFill>
-            <a:srgbClr val="F42900"/>
-          </a:solidFill>
-        </p:spPr>
-        <p:style>
-          <a:lnRef idx="2">
-            <a:schemeClr val="accent1">
-              <a:shade val="50000"/>
-            </a:schemeClr>
-          </a:lnRef>
-          <a:fillRef idx="1">
-            <a:schemeClr val="accent1"/>
-          </a:fillRef>
-          <a:effectRef idx="0">
-            <a:schemeClr val="accent1"/>
-          </a:effectRef>
-          <a:fontRef idx="minor">
-            <a:schemeClr val="lt1"/>
-          </a:fontRef>
-        </p:style>
-        <p:txBody>
-          <a:bodyPr rtlCol="0" anchor="ctr"/>
-          <a:lstStyle/>
-          <a:p>
-            <a:pPr algn="ctr"/>
-            <a:endParaRPr lang="ko-KR" altLang="en-US"/>
-          </a:p>
-        </p:txBody>
-      </p:sp>
-      <p:sp>
-        <p:nvSpPr>
-          <p:cNvPr id="15" name="자유형 14"/>
-          <p:cNvSpPr/>
-          <p:nvPr/>
-        </p:nvSpPr>
-        <p:spPr>
-          <a:xfrm rot="9518458">
-            <a:off x="5151628" y="3987580"/>
-            <a:ext cx="342950" cy="1528597"/>
-          </a:xfrm>
-          <a:custGeom>
-            <a:avLst/>
-            <a:gdLst>
-              <a:gd name="connsiteX0" fmla="*/ 106394 w 848697"/>
-              <a:gd name="connsiteY0" fmla="*/ 1453985 h 1453985"/>
-              <a:gd name="connsiteX1" fmla="*/ 848672 w 848697"/>
-              <a:gd name="connsiteY1" fmla="*/ 754738 h 1453985"/>
-              <a:gd name="connsiteX2" fmla="*/ 84879 w 848697"/>
-              <a:gd name="connsiteY2" fmla="*/ 66249 h 1453985"/>
-              <a:gd name="connsiteX3" fmla="*/ 52606 w 848697"/>
-              <a:gd name="connsiteY3" fmla="*/ 66249 h 1453985"/>
-            </a:gdLst>
-            <a:ahLst/>
-            <a:cxnLst>
-              <a:cxn ang="0">
-                <a:pos x="connsiteX0" y="connsiteY0"/>
-              </a:cxn>
-              <a:cxn ang="0">
-                <a:pos x="connsiteX1" y="connsiteY1"/>
-              </a:cxn>
-              <a:cxn ang="0">
-                <a:pos x="connsiteX2" y="connsiteY2"/>
-              </a:cxn>
-              <a:cxn ang="0">
-                <a:pos x="connsiteX3" y="connsiteY3"/>
-              </a:cxn>
-            </a:cxnLst>
-            <a:rect l="l" t="t" r="r" b="b"/>
-            <a:pathLst>
-              <a:path w="848697" h="1453985">
-                <a:moveTo>
-                  <a:pt x="106394" y="1453985"/>
-                </a:moveTo>
-                <a:cubicBezTo>
-                  <a:pt x="479326" y="1220006"/>
-                  <a:pt x="852258" y="986027"/>
-                  <a:pt x="848672" y="754738"/>
-                </a:cubicBezTo>
-                <a:cubicBezTo>
-                  <a:pt x="845086" y="523449"/>
-                  <a:pt x="217557" y="180997"/>
-                  <a:pt x="84879" y="66249"/>
-                </a:cubicBezTo>
-                <a:cubicBezTo>
-                  <a:pt x="-47799" y="-48499"/>
-                  <a:pt x="2403" y="8875"/>
-                  <a:pt x="52606" y="66249"/>
-                </a:cubicBezTo>
-              </a:path>
-            </a:pathLst>
-          </a:custGeom>
-          <a:noFill/>
-          <a:ln w="38100">
+        </p:grpSpPr>
+        <p:sp>
+          <p:nvSpPr>
+            <p:cNvPr id="4" name="평행 사변형 3"/>
+            <p:cNvSpPr/>
+            <p:nvPr/>
+          </p:nvSpPr>
+          <p:spPr>
+            <a:xfrm>
+              <a:off x="5486400" y="4787154"/>
+              <a:ext cx="3184264" cy="1624404"/>
+            </a:xfrm>
+            <a:prstGeom prst="parallelogram">
+              <a:avLst/>
+            </a:prstGeom>
+          </p:spPr>
+          <p:style>
+            <a:lnRef idx="1">
+              <a:schemeClr val="accent1"/>
+            </a:lnRef>
+            <a:fillRef idx="2">
+              <a:schemeClr val="accent1"/>
+            </a:fillRef>
+            <a:effectRef idx="1">
+              <a:schemeClr val="accent1"/>
+            </a:effectRef>
+            <a:fontRef idx="minor">
+              <a:schemeClr val="dk1"/>
+            </a:fontRef>
+          </p:style>
+          <p:txBody>
+            <a:bodyPr rtlCol="0" anchor="ctr"/>
+            <a:lstStyle/>
+            <a:p>
+              <a:pPr algn="ctr"/>
+              <a:endParaRPr lang="ko-KR" altLang="en-US"/>
+            </a:p>
+          </p:txBody>
+        </p:sp>
+        <p:sp>
+          <p:nvSpPr>
+            <p:cNvPr id="6" name="평행 사변형 5"/>
+            <p:cNvSpPr/>
+            <p:nvPr/>
+          </p:nvSpPr>
+          <p:spPr>
+            <a:xfrm>
+              <a:off x="5486400" y="4100457"/>
+              <a:ext cx="3184264" cy="1624404"/>
+            </a:xfrm>
+            <a:prstGeom prst="parallelogram">
+              <a:avLst/>
+            </a:prstGeom>
+          </p:spPr>
+          <p:style>
+            <a:lnRef idx="2">
+              <a:schemeClr val="accent5">
+                <a:shade val="50000"/>
+              </a:schemeClr>
+            </a:lnRef>
+            <a:fillRef idx="1">
+              <a:schemeClr val="accent5"/>
+            </a:fillRef>
+            <a:effectRef idx="0">
+              <a:schemeClr val="accent5"/>
+            </a:effectRef>
+            <a:fontRef idx="minor">
+              <a:schemeClr val="lt1"/>
+            </a:fontRef>
+          </p:style>
+          <p:txBody>
+            <a:bodyPr rtlCol="0" anchor="ctr"/>
+            <a:lstStyle/>
+            <a:p>
+              <a:pPr algn="ctr"/>
+              <a:endParaRPr lang="ko-KR" altLang="en-US"/>
+            </a:p>
+          </p:txBody>
+        </p:sp>
+        <p:sp>
+          <p:nvSpPr>
+            <p:cNvPr id="7" name="TextBox 6"/>
+            <p:cNvSpPr txBox="1"/>
+            <p:nvPr/>
+          </p:nvSpPr>
+          <p:spPr>
+            <a:xfrm>
+              <a:off x="6260951" y="5853963"/>
+              <a:ext cx="1107996" cy="369332"/>
+            </a:xfrm>
+            <a:prstGeom prst="rect">
+              <a:avLst/>
+            </a:prstGeom>
+            <a:noFill/>
+          </p:spPr>
+          <p:txBody>
+            <a:bodyPr wrap="none" rtlCol="0">
+              <a:spAutoFit/>
+            </a:bodyPr>
+            <a:lstStyle/>
+            <a:p>
+              <a:r>
+                <a:rPr lang="ko-KR" altLang="en-US" dirty="0" err="1" smtClean="0"/>
+                <a:t>아두이노</a:t>
+              </a:r>
+              <a:endParaRPr lang="ko-KR" altLang="en-US" dirty="0"/>
+            </a:p>
+          </p:txBody>
+        </p:sp>
+        <p:sp>
+          <p:nvSpPr>
+            <p:cNvPr id="8" name="TextBox 7"/>
+            <p:cNvSpPr txBox="1"/>
+            <p:nvPr/>
+          </p:nvSpPr>
+          <p:spPr>
+            <a:xfrm>
+              <a:off x="6293702" y="4851700"/>
+              <a:ext cx="1569660" cy="369332"/>
+            </a:xfrm>
+            <a:prstGeom prst="rect">
+              <a:avLst/>
+            </a:prstGeom>
+            <a:noFill/>
+          </p:spPr>
+          <p:txBody>
+            <a:bodyPr wrap="none" rtlCol="0">
+              <a:spAutoFit/>
+            </a:bodyPr>
+            <a:lstStyle/>
+            <a:p>
+              <a:r>
+                <a:rPr lang="ko-KR" altLang="en-US" dirty="0" err="1" smtClean="0"/>
+                <a:t>와이파이쉴드</a:t>
+              </a:r>
+              <a:endParaRPr lang="ko-KR" altLang="en-US" dirty="0"/>
+            </a:p>
+          </p:txBody>
+        </p:sp>
+        <p:sp>
+          <p:nvSpPr>
+            <p:cNvPr id="9" name="평행 사변형 8"/>
+            <p:cNvSpPr/>
+            <p:nvPr/>
+          </p:nvSpPr>
+          <p:spPr>
+            <a:xfrm>
+              <a:off x="4459045" y="3212941"/>
+              <a:ext cx="5238974" cy="1445111"/>
+            </a:xfrm>
+            <a:prstGeom prst="parallelogram">
+              <a:avLst/>
+            </a:prstGeom>
+          </p:spPr>
+          <p:style>
+            <a:lnRef idx="1">
+              <a:schemeClr val="accent4"/>
+            </a:lnRef>
+            <a:fillRef idx="2">
+              <a:schemeClr val="accent4"/>
+            </a:fillRef>
+            <a:effectRef idx="1">
+              <a:schemeClr val="accent4"/>
+            </a:effectRef>
+            <a:fontRef idx="minor">
+              <a:schemeClr val="dk1"/>
+            </a:fontRef>
+          </p:style>
+          <p:txBody>
+            <a:bodyPr rtlCol="0" anchor="ctr"/>
+            <a:lstStyle/>
+            <a:p>
+              <a:pPr algn="ctr"/>
+              <a:endParaRPr lang="ko-KR" altLang="en-US"/>
+            </a:p>
+          </p:txBody>
+        </p:sp>
+        <p:sp>
+          <p:nvSpPr>
+            <p:cNvPr id="10" name="TextBox 9"/>
+            <p:cNvSpPr txBox="1"/>
+            <p:nvPr/>
+          </p:nvSpPr>
+          <p:spPr>
+            <a:xfrm>
+              <a:off x="6409118" y="3698852"/>
+              <a:ext cx="1338828" cy="369332"/>
+            </a:xfrm>
+            <a:prstGeom prst="rect">
+              <a:avLst/>
+            </a:prstGeom>
+            <a:noFill/>
+          </p:spPr>
+          <p:txBody>
+            <a:bodyPr wrap="none" rtlCol="0">
+              <a:spAutoFit/>
+            </a:bodyPr>
+            <a:lstStyle/>
+            <a:p>
+              <a:r>
+                <a:rPr lang="ko-KR" altLang="en-US" dirty="0" err="1" smtClean="0"/>
+                <a:t>브레드보드</a:t>
+              </a:r>
+              <a:endParaRPr lang="ko-KR" altLang="en-US" dirty="0"/>
+            </a:p>
+          </p:txBody>
+        </p:sp>
+        <p:sp>
+          <p:nvSpPr>
+            <p:cNvPr id="11" name="평행 사변형 10"/>
+            <p:cNvSpPr/>
+            <p:nvPr/>
+          </p:nvSpPr>
+          <p:spPr>
+            <a:xfrm>
+              <a:off x="5518631" y="2066325"/>
+              <a:ext cx="3442447" cy="120104"/>
+            </a:xfrm>
+            <a:prstGeom prst="parallelogram">
+              <a:avLst/>
+            </a:prstGeom>
             <a:solidFill>
+              <a:srgbClr val="F42900"/>
+            </a:solidFill>
+          </p:spPr>
+          <p:style>
+            <a:lnRef idx="2">
+              <a:schemeClr val="accent6">
+                <a:shade val="50000"/>
+              </a:schemeClr>
+            </a:lnRef>
+            <a:fillRef idx="1">
+              <a:schemeClr val="accent6"/>
+            </a:fillRef>
+            <a:effectRef idx="0">
+              <a:schemeClr val="accent6"/>
+            </a:effectRef>
+            <a:fontRef idx="minor">
+              <a:schemeClr val="lt1"/>
+            </a:fontRef>
+          </p:style>
+          <p:txBody>
+            <a:bodyPr rtlCol="0" anchor="ctr"/>
+            <a:lstStyle/>
+            <a:p>
+              <a:pPr algn="ctr"/>
+              <a:endParaRPr lang="ko-KR" altLang="en-US"/>
+            </a:p>
+          </p:txBody>
+        </p:sp>
+        <p:sp>
+          <p:nvSpPr>
+            <p:cNvPr id="12" name="평행 사변형 11"/>
+            <p:cNvSpPr/>
+            <p:nvPr/>
+          </p:nvSpPr>
+          <p:spPr>
+            <a:xfrm>
+              <a:off x="5518631" y="2258187"/>
+              <a:ext cx="3442447" cy="120104"/>
+            </a:xfrm>
+            <a:prstGeom prst="parallelogram">
+              <a:avLst/>
+            </a:prstGeom>
+            <a:solidFill>
+              <a:srgbClr val="F42900"/>
+            </a:solidFill>
+          </p:spPr>
+          <p:style>
+            <a:lnRef idx="2">
+              <a:schemeClr val="accent6">
+                <a:shade val="50000"/>
+              </a:schemeClr>
+            </a:lnRef>
+            <a:fillRef idx="1">
+              <a:schemeClr val="accent6"/>
+            </a:fillRef>
+            <a:effectRef idx="0">
+              <a:schemeClr val="accent6"/>
+            </a:effectRef>
+            <a:fontRef idx="minor">
+              <a:schemeClr val="lt1"/>
+            </a:fontRef>
+          </p:style>
+          <p:txBody>
+            <a:bodyPr rtlCol="0" anchor="ctr"/>
+            <a:lstStyle/>
+            <a:p>
+              <a:pPr algn="ctr"/>
+              <a:endParaRPr lang="ko-KR" altLang="en-US"/>
+            </a:p>
+          </p:txBody>
+        </p:sp>
+        <p:sp>
+          <p:nvSpPr>
+            <p:cNvPr id="13" name="평행 사변형 12"/>
+            <p:cNvSpPr/>
+            <p:nvPr/>
+          </p:nvSpPr>
+          <p:spPr>
+            <a:xfrm>
+              <a:off x="5518631" y="2469725"/>
+              <a:ext cx="3442447" cy="120104"/>
+            </a:xfrm>
+            <a:prstGeom prst="parallelogram">
+              <a:avLst/>
+            </a:prstGeom>
+            <a:solidFill>
+              <a:srgbClr val="F42900"/>
+            </a:solidFill>
+          </p:spPr>
+          <p:style>
+            <a:lnRef idx="2">
+              <a:schemeClr val="accent1">
+                <a:shade val="50000"/>
+              </a:schemeClr>
+            </a:lnRef>
+            <a:fillRef idx="1">
+              <a:schemeClr val="accent1"/>
+            </a:fillRef>
+            <a:effectRef idx="0">
+              <a:schemeClr val="accent1"/>
+            </a:effectRef>
+            <a:fontRef idx="minor">
+              <a:schemeClr val="lt1"/>
+            </a:fontRef>
+          </p:style>
+          <p:txBody>
+            <a:bodyPr rtlCol="0" anchor="ctr"/>
+            <a:lstStyle/>
+            <a:p>
+              <a:pPr algn="ctr"/>
+              <a:endParaRPr lang="ko-KR" altLang="en-US"/>
+            </a:p>
+          </p:txBody>
+        </p:sp>
+        <p:sp>
+          <p:nvSpPr>
+            <p:cNvPr id="14" name="평행 사변형 13"/>
+            <p:cNvSpPr/>
+            <p:nvPr/>
+          </p:nvSpPr>
+          <p:spPr>
+            <a:xfrm>
+              <a:off x="5518631" y="2717156"/>
+              <a:ext cx="3442447" cy="120104"/>
+            </a:xfrm>
+            <a:prstGeom prst="parallelogram">
+              <a:avLst/>
+            </a:prstGeom>
+            <a:solidFill>
+              <a:srgbClr val="F42900"/>
+            </a:solidFill>
+          </p:spPr>
+          <p:style>
+            <a:lnRef idx="2">
+              <a:schemeClr val="accent1">
+                <a:shade val="50000"/>
+              </a:schemeClr>
+            </a:lnRef>
+            <a:fillRef idx="1">
+              <a:schemeClr val="accent1"/>
+            </a:fillRef>
+            <a:effectRef idx="0">
+              <a:schemeClr val="accent1"/>
+            </a:effectRef>
+            <a:fontRef idx="minor">
+              <a:schemeClr val="lt1"/>
+            </a:fontRef>
+          </p:style>
+          <p:txBody>
+            <a:bodyPr rtlCol="0" anchor="ctr"/>
+            <a:lstStyle/>
+            <a:p>
+              <a:pPr algn="ctr"/>
+              <a:endParaRPr lang="ko-KR" altLang="en-US"/>
+            </a:p>
+          </p:txBody>
+        </p:sp>
+        <p:sp>
+          <p:nvSpPr>
+            <p:cNvPr id="15" name="자유형 14"/>
+            <p:cNvSpPr/>
+            <p:nvPr/>
+          </p:nvSpPr>
+          <p:spPr>
+            <a:xfrm rot="10004979">
+              <a:off x="5116856" y="4167154"/>
+              <a:ext cx="283747" cy="1893644"/>
+            </a:xfrm>
+            <a:custGeom>
+              <a:avLst/>
+              <a:gdLst>
+                <a:gd name="connsiteX0" fmla="*/ 106394 w 848697"/>
+                <a:gd name="connsiteY0" fmla="*/ 1453985 h 1453985"/>
+                <a:gd name="connsiteX1" fmla="*/ 848672 w 848697"/>
+                <a:gd name="connsiteY1" fmla="*/ 754738 h 1453985"/>
+                <a:gd name="connsiteX2" fmla="*/ 84879 w 848697"/>
+                <a:gd name="connsiteY2" fmla="*/ 66249 h 1453985"/>
+                <a:gd name="connsiteX3" fmla="*/ 52606 w 848697"/>
+                <a:gd name="connsiteY3" fmla="*/ 66249 h 1453985"/>
+              </a:gdLst>
+              <a:ahLst/>
+              <a:cxnLst>
+                <a:cxn ang="0">
+                  <a:pos x="connsiteX0" y="connsiteY0"/>
+                </a:cxn>
+                <a:cxn ang="0">
+                  <a:pos x="connsiteX1" y="connsiteY1"/>
+                </a:cxn>
+                <a:cxn ang="0">
+                  <a:pos x="connsiteX2" y="connsiteY2"/>
+                </a:cxn>
+                <a:cxn ang="0">
+                  <a:pos x="connsiteX3" y="connsiteY3"/>
+                </a:cxn>
+              </a:cxnLst>
+              <a:rect l="l" t="t" r="r" b="b"/>
+              <a:pathLst>
+                <a:path w="848697" h="1453985">
+                  <a:moveTo>
+                    <a:pt x="106394" y="1453985"/>
+                  </a:moveTo>
+                  <a:cubicBezTo>
+                    <a:pt x="479326" y="1220006"/>
+                    <a:pt x="852258" y="986027"/>
+                    <a:pt x="848672" y="754738"/>
+                  </a:cubicBezTo>
+                  <a:cubicBezTo>
+                    <a:pt x="845086" y="523449"/>
+                    <a:pt x="217557" y="180997"/>
+                    <a:pt x="84879" y="66249"/>
+                  </a:cubicBezTo>
+                  <a:cubicBezTo>
+                    <a:pt x="-47799" y="-48499"/>
+                    <a:pt x="2403" y="8875"/>
+                    <a:pt x="52606" y="66249"/>
+                  </a:cubicBezTo>
+                </a:path>
+              </a:pathLst>
+            </a:custGeom>
+            <a:noFill/>
+            <a:ln w="38100">
+              <a:solidFill>
+                <a:schemeClr val="tx1"/>
+              </a:solidFill>
+            </a:ln>
+          </p:spPr>
+          <p:style>
+            <a:lnRef idx="2">
+              <a:schemeClr val="accent1">
+                <a:shade val="50000"/>
+              </a:schemeClr>
+            </a:lnRef>
+            <a:fillRef idx="1">
+              <a:schemeClr val="accent1"/>
+            </a:fillRef>
+            <a:effectRef idx="0">
+              <a:schemeClr val="accent1"/>
+            </a:effectRef>
+            <a:fontRef idx="minor">
+              <a:schemeClr val="lt1"/>
+            </a:fontRef>
+          </p:style>
+          <p:txBody>
+            <a:bodyPr rtlCol="0" anchor="ctr"/>
+            <a:lstStyle/>
+            <a:p>
+              <a:pPr algn="ctr"/>
+              <a:endParaRPr lang="ko-KR" altLang="en-US"/>
+            </a:p>
+          </p:txBody>
+        </p:sp>
+        <p:sp>
+          <p:nvSpPr>
+            <p:cNvPr id="16" name="자유형 15"/>
+            <p:cNvSpPr/>
+            <p:nvPr/>
+          </p:nvSpPr>
+          <p:spPr>
+            <a:xfrm rot="10519588">
+              <a:off x="5297095" y="2764582"/>
+              <a:ext cx="353061" cy="1470400"/>
+            </a:xfrm>
+            <a:custGeom>
+              <a:avLst/>
+              <a:gdLst>
+                <a:gd name="connsiteX0" fmla="*/ 106394 w 848697"/>
+                <a:gd name="connsiteY0" fmla="*/ 1453985 h 1453985"/>
+                <a:gd name="connsiteX1" fmla="*/ 848672 w 848697"/>
+                <a:gd name="connsiteY1" fmla="*/ 754738 h 1453985"/>
+                <a:gd name="connsiteX2" fmla="*/ 84879 w 848697"/>
+                <a:gd name="connsiteY2" fmla="*/ 66249 h 1453985"/>
+                <a:gd name="connsiteX3" fmla="*/ 52606 w 848697"/>
+                <a:gd name="connsiteY3" fmla="*/ 66249 h 1453985"/>
+              </a:gdLst>
+              <a:ahLst/>
+              <a:cxnLst>
+                <a:cxn ang="0">
+                  <a:pos x="connsiteX0" y="connsiteY0"/>
+                </a:cxn>
+                <a:cxn ang="0">
+                  <a:pos x="connsiteX1" y="connsiteY1"/>
+                </a:cxn>
+                <a:cxn ang="0">
+                  <a:pos x="connsiteX2" y="connsiteY2"/>
+                </a:cxn>
+                <a:cxn ang="0">
+                  <a:pos x="connsiteX3" y="connsiteY3"/>
+                </a:cxn>
+              </a:cxnLst>
+              <a:rect l="l" t="t" r="r" b="b"/>
+              <a:pathLst>
+                <a:path w="848697" h="1453985">
+                  <a:moveTo>
+                    <a:pt x="106394" y="1453985"/>
+                  </a:moveTo>
+                  <a:cubicBezTo>
+                    <a:pt x="479326" y="1220006"/>
+                    <a:pt x="852258" y="986027"/>
+                    <a:pt x="848672" y="754738"/>
+                  </a:cubicBezTo>
+                  <a:cubicBezTo>
+                    <a:pt x="845086" y="523449"/>
+                    <a:pt x="217557" y="180997"/>
+                    <a:pt x="84879" y="66249"/>
+                  </a:cubicBezTo>
+                  <a:cubicBezTo>
+                    <a:pt x="-47799" y="-48499"/>
+                    <a:pt x="2403" y="8875"/>
+                    <a:pt x="52606" y="66249"/>
+                  </a:cubicBezTo>
+                </a:path>
+              </a:pathLst>
+            </a:custGeom>
+            <a:noFill/>
+            <a:ln w="38100">
+              <a:solidFill>
+                <a:schemeClr val="tx1"/>
+              </a:solidFill>
+            </a:ln>
+          </p:spPr>
+          <p:style>
+            <a:lnRef idx="2">
+              <a:schemeClr val="accent1">
+                <a:shade val="50000"/>
+              </a:schemeClr>
+            </a:lnRef>
+            <a:fillRef idx="1">
+              <a:schemeClr val="accent1"/>
+            </a:fillRef>
+            <a:effectRef idx="0">
+              <a:schemeClr val="accent1"/>
+            </a:effectRef>
+            <a:fontRef idx="minor">
+              <a:schemeClr val="lt1"/>
+            </a:fontRef>
+          </p:style>
+          <p:txBody>
+            <a:bodyPr rtlCol="0" anchor="ctr"/>
+            <a:lstStyle/>
+            <a:p>
+              <a:pPr algn="ctr"/>
+              <a:endParaRPr lang="ko-KR" altLang="en-US"/>
+            </a:p>
+          </p:txBody>
+        </p:sp>
+        <p:sp>
+          <p:nvSpPr>
+            <p:cNvPr id="20" name="자유형 19"/>
+            <p:cNvSpPr/>
+            <p:nvPr/>
+          </p:nvSpPr>
+          <p:spPr>
+            <a:xfrm rot="10519588">
+              <a:off x="5318046" y="2520551"/>
+              <a:ext cx="353061" cy="1470400"/>
+            </a:xfrm>
+            <a:custGeom>
+              <a:avLst/>
+              <a:gdLst>
+                <a:gd name="connsiteX0" fmla="*/ 106394 w 848697"/>
+                <a:gd name="connsiteY0" fmla="*/ 1453985 h 1453985"/>
+                <a:gd name="connsiteX1" fmla="*/ 848672 w 848697"/>
+                <a:gd name="connsiteY1" fmla="*/ 754738 h 1453985"/>
+                <a:gd name="connsiteX2" fmla="*/ 84879 w 848697"/>
+                <a:gd name="connsiteY2" fmla="*/ 66249 h 1453985"/>
+                <a:gd name="connsiteX3" fmla="*/ 52606 w 848697"/>
+                <a:gd name="connsiteY3" fmla="*/ 66249 h 1453985"/>
+              </a:gdLst>
+              <a:ahLst/>
+              <a:cxnLst>
+                <a:cxn ang="0">
+                  <a:pos x="connsiteX0" y="connsiteY0"/>
+                </a:cxn>
+                <a:cxn ang="0">
+                  <a:pos x="connsiteX1" y="connsiteY1"/>
+                </a:cxn>
+                <a:cxn ang="0">
+                  <a:pos x="connsiteX2" y="connsiteY2"/>
+                </a:cxn>
+                <a:cxn ang="0">
+                  <a:pos x="connsiteX3" y="connsiteY3"/>
+                </a:cxn>
+              </a:cxnLst>
+              <a:rect l="l" t="t" r="r" b="b"/>
+              <a:pathLst>
+                <a:path w="848697" h="1453985">
+                  <a:moveTo>
+                    <a:pt x="106394" y="1453985"/>
+                  </a:moveTo>
+                  <a:cubicBezTo>
+                    <a:pt x="479326" y="1220006"/>
+                    <a:pt x="852258" y="986027"/>
+                    <a:pt x="848672" y="754738"/>
+                  </a:cubicBezTo>
+                  <a:cubicBezTo>
+                    <a:pt x="845086" y="523449"/>
+                    <a:pt x="217557" y="180997"/>
+                    <a:pt x="84879" y="66249"/>
+                  </a:cubicBezTo>
+                  <a:cubicBezTo>
+                    <a:pt x="-47799" y="-48499"/>
+                    <a:pt x="2403" y="8875"/>
+                    <a:pt x="52606" y="66249"/>
+                  </a:cubicBezTo>
+                </a:path>
+              </a:pathLst>
+            </a:custGeom>
+            <a:noFill/>
+            <a:ln w="38100">
+              <a:solidFill>
+                <a:schemeClr val="tx1"/>
+              </a:solidFill>
+            </a:ln>
+          </p:spPr>
+          <p:style>
+            <a:lnRef idx="2">
+              <a:schemeClr val="accent1">
+                <a:shade val="50000"/>
+              </a:schemeClr>
+            </a:lnRef>
+            <a:fillRef idx="1">
+              <a:schemeClr val="accent1"/>
+            </a:fillRef>
+            <a:effectRef idx="0">
+              <a:schemeClr val="accent1"/>
+            </a:effectRef>
+            <a:fontRef idx="minor">
+              <a:schemeClr val="lt1"/>
+            </a:fontRef>
+          </p:style>
+          <p:txBody>
+            <a:bodyPr rtlCol="0" anchor="ctr"/>
+            <a:lstStyle/>
+            <a:p>
+              <a:pPr algn="ctr"/>
+              <a:endParaRPr lang="ko-KR" altLang="en-US"/>
+            </a:p>
+          </p:txBody>
+        </p:sp>
+        <p:sp>
+          <p:nvSpPr>
+            <p:cNvPr id="21" name="자유형 20"/>
+            <p:cNvSpPr/>
+            <p:nvPr/>
+          </p:nvSpPr>
+          <p:spPr>
+            <a:xfrm rot="10519588">
+              <a:off x="5348517" y="2271334"/>
+              <a:ext cx="353061" cy="1470400"/>
+            </a:xfrm>
+            <a:custGeom>
+              <a:avLst/>
+              <a:gdLst>
+                <a:gd name="connsiteX0" fmla="*/ 106394 w 848697"/>
+                <a:gd name="connsiteY0" fmla="*/ 1453985 h 1453985"/>
+                <a:gd name="connsiteX1" fmla="*/ 848672 w 848697"/>
+                <a:gd name="connsiteY1" fmla="*/ 754738 h 1453985"/>
+                <a:gd name="connsiteX2" fmla="*/ 84879 w 848697"/>
+                <a:gd name="connsiteY2" fmla="*/ 66249 h 1453985"/>
+                <a:gd name="connsiteX3" fmla="*/ 52606 w 848697"/>
+                <a:gd name="connsiteY3" fmla="*/ 66249 h 1453985"/>
+              </a:gdLst>
+              <a:ahLst/>
+              <a:cxnLst>
+                <a:cxn ang="0">
+                  <a:pos x="connsiteX0" y="connsiteY0"/>
+                </a:cxn>
+                <a:cxn ang="0">
+                  <a:pos x="connsiteX1" y="connsiteY1"/>
+                </a:cxn>
+                <a:cxn ang="0">
+                  <a:pos x="connsiteX2" y="connsiteY2"/>
+                </a:cxn>
+                <a:cxn ang="0">
+                  <a:pos x="connsiteX3" y="connsiteY3"/>
+                </a:cxn>
+              </a:cxnLst>
+              <a:rect l="l" t="t" r="r" b="b"/>
+              <a:pathLst>
+                <a:path w="848697" h="1453985">
+                  <a:moveTo>
+                    <a:pt x="106394" y="1453985"/>
+                  </a:moveTo>
+                  <a:cubicBezTo>
+                    <a:pt x="479326" y="1220006"/>
+                    <a:pt x="852258" y="986027"/>
+                    <a:pt x="848672" y="754738"/>
+                  </a:cubicBezTo>
+                  <a:cubicBezTo>
+                    <a:pt x="845086" y="523449"/>
+                    <a:pt x="217557" y="180997"/>
+                    <a:pt x="84879" y="66249"/>
+                  </a:cubicBezTo>
+                  <a:cubicBezTo>
+                    <a:pt x="-47799" y="-48499"/>
+                    <a:pt x="2403" y="8875"/>
+                    <a:pt x="52606" y="66249"/>
+                  </a:cubicBezTo>
+                </a:path>
+              </a:pathLst>
+            </a:custGeom>
+            <a:noFill/>
+            <a:ln w="38100">
+              <a:solidFill>
+                <a:schemeClr val="tx1"/>
+              </a:solidFill>
+            </a:ln>
+          </p:spPr>
+          <p:style>
+            <a:lnRef idx="2">
+              <a:schemeClr val="accent1">
+                <a:shade val="50000"/>
+              </a:schemeClr>
+            </a:lnRef>
+            <a:fillRef idx="1">
+              <a:schemeClr val="accent1"/>
+            </a:fillRef>
+            <a:effectRef idx="0">
+              <a:schemeClr val="accent1"/>
+            </a:effectRef>
+            <a:fontRef idx="minor">
+              <a:schemeClr val="lt1"/>
+            </a:fontRef>
+          </p:style>
+          <p:txBody>
+            <a:bodyPr rtlCol="0" anchor="ctr"/>
+            <a:lstStyle/>
+            <a:p>
+              <a:pPr algn="ctr"/>
+              <a:endParaRPr lang="ko-KR" altLang="en-US"/>
+            </a:p>
+          </p:txBody>
+        </p:sp>
+        <p:sp>
+          <p:nvSpPr>
+            <p:cNvPr id="22" name="자유형 21"/>
+            <p:cNvSpPr/>
+            <p:nvPr/>
+          </p:nvSpPr>
+          <p:spPr>
+            <a:xfrm rot="10519588">
+              <a:off x="5287573" y="2119602"/>
+              <a:ext cx="353061" cy="1470400"/>
+            </a:xfrm>
+            <a:custGeom>
+              <a:avLst/>
+              <a:gdLst>
+                <a:gd name="connsiteX0" fmla="*/ 106394 w 848697"/>
+                <a:gd name="connsiteY0" fmla="*/ 1453985 h 1453985"/>
+                <a:gd name="connsiteX1" fmla="*/ 848672 w 848697"/>
+                <a:gd name="connsiteY1" fmla="*/ 754738 h 1453985"/>
+                <a:gd name="connsiteX2" fmla="*/ 84879 w 848697"/>
+                <a:gd name="connsiteY2" fmla="*/ 66249 h 1453985"/>
+                <a:gd name="connsiteX3" fmla="*/ 52606 w 848697"/>
+                <a:gd name="connsiteY3" fmla="*/ 66249 h 1453985"/>
+              </a:gdLst>
+              <a:ahLst/>
+              <a:cxnLst>
+                <a:cxn ang="0">
+                  <a:pos x="connsiteX0" y="connsiteY0"/>
+                </a:cxn>
+                <a:cxn ang="0">
+                  <a:pos x="connsiteX1" y="connsiteY1"/>
+                </a:cxn>
+                <a:cxn ang="0">
+                  <a:pos x="connsiteX2" y="connsiteY2"/>
+                </a:cxn>
+                <a:cxn ang="0">
+                  <a:pos x="connsiteX3" y="connsiteY3"/>
+                </a:cxn>
+              </a:cxnLst>
+              <a:rect l="l" t="t" r="r" b="b"/>
+              <a:pathLst>
+                <a:path w="848697" h="1453985">
+                  <a:moveTo>
+                    <a:pt x="106394" y="1453985"/>
+                  </a:moveTo>
+                  <a:cubicBezTo>
+                    <a:pt x="479326" y="1220006"/>
+                    <a:pt x="852258" y="986027"/>
+                    <a:pt x="848672" y="754738"/>
+                  </a:cubicBezTo>
+                  <a:cubicBezTo>
+                    <a:pt x="845086" y="523449"/>
+                    <a:pt x="217557" y="180997"/>
+                    <a:pt x="84879" y="66249"/>
+                  </a:cubicBezTo>
+                  <a:cubicBezTo>
+                    <a:pt x="-47799" y="-48499"/>
+                    <a:pt x="2403" y="8875"/>
+                    <a:pt x="52606" y="66249"/>
+                  </a:cubicBezTo>
+                </a:path>
+              </a:pathLst>
+            </a:custGeom>
+            <a:noFill/>
+            <a:ln w="38100">
+              <a:solidFill>
+                <a:schemeClr val="tx1"/>
+              </a:solidFill>
+            </a:ln>
+          </p:spPr>
+          <p:style>
+            <a:lnRef idx="2">
+              <a:schemeClr val="accent1">
+                <a:shade val="50000"/>
+              </a:schemeClr>
+            </a:lnRef>
+            <a:fillRef idx="1">
+              <a:schemeClr val="accent1"/>
+            </a:fillRef>
+            <a:effectRef idx="0">
+              <a:schemeClr val="accent1"/>
+            </a:effectRef>
+            <a:fontRef idx="minor">
+              <a:schemeClr val="lt1"/>
+            </a:fontRef>
+          </p:style>
+          <p:txBody>
+            <a:bodyPr rtlCol="0" anchor="ctr"/>
+            <a:lstStyle/>
+            <a:p>
+              <a:pPr algn="ctr"/>
+              <a:endParaRPr lang="ko-KR" altLang="en-US"/>
+            </a:p>
+          </p:txBody>
+        </p:sp>
+        <p:cxnSp>
+          <p:nvCxnSpPr>
+            <p:cNvPr id="24" name="직선 연결선 23"/>
+            <p:cNvCxnSpPr/>
+            <p:nvPr/>
+          </p:nvCxnSpPr>
+          <p:spPr>
+            <a:xfrm flipH="1">
+              <a:off x="1850315" y="6223295"/>
+              <a:ext cx="3818965" cy="0"/>
+            </a:xfrm>
+            <a:prstGeom prst="line">
+              <a:avLst/>
+            </a:prstGeom>
+            <a:ln w="38100">
+              <a:solidFill>
+                <a:schemeClr val="tx1"/>
+              </a:solidFill>
+            </a:ln>
+          </p:spPr>
+          <p:style>
+            <a:lnRef idx="1">
+              <a:schemeClr val="accent1"/>
+            </a:lnRef>
+            <a:fillRef idx="0">
+              <a:schemeClr val="accent1"/>
+            </a:fillRef>
+            <a:effectRef idx="0">
+              <a:schemeClr val="accent1"/>
+            </a:effectRef>
+            <a:fontRef idx="minor">
               <a:schemeClr val="tx1"/>
-            </a:solidFill>
-          </a:ln>
-        </p:spPr>
-        <p:style>
-          <a:lnRef idx="2">
-            <a:schemeClr val="accent1">
-              <a:shade val="50000"/>
-            </a:schemeClr>
-          </a:lnRef>
-          <a:fillRef idx="1">
-            <a:schemeClr val="accent1"/>
-          </a:fillRef>
-          <a:effectRef idx="0">
-            <a:schemeClr val="accent1"/>
-          </a:effectRef>
-          <a:fontRef idx="minor">
-            <a:schemeClr val="lt1"/>
-          </a:fontRef>
-        </p:style>
-        <p:txBody>
-          <a:bodyPr rtlCol="0" anchor="ctr"/>
-          <a:lstStyle/>
-          <a:p>
-            <a:pPr algn="ctr"/>
-            <a:endParaRPr lang="ko-KR" altLang="en-US"/>
-          </a:p>
-        </p:txBody>
-      </p:sp>
-      <p:sp>
-        <p:nvSpPr>
-          <p:cNvPr id="16" name="자유형 15"/>
-          <p:cNvSpPr/>
-          <p:nvPr/>
-        </p:nvSpPr>
-        <p:spPr>
-          <a:xfrm rot="10519588">
-            <a:off x="5297095" y="2764582"/>
-            <a:ext cx="353061" cy="1470400"/>
-          </a:xfrm>
-          <a:custGeom>
-            <a:avLst/>
-            <a:gdLst>
-              <a:gd name="connsiteX0" fmla="*/ 106394 w 848697"/>
-              <a:gd name="connsiteY0" fmla="*/ 1453985 h 1453985"/>
-              <a:gd name="connsiteX1" fmla="*/ 848672 w 848697"/>
-              <a:gd name="connsiteY1" fmla="*/ 754738 h 1453985"/>
-              <a:gd name="connsiteX2" fmla="*/ 84879 w 848697"/>
-              <a:gd name="connsiteY2" fmla="*/ 66249 h 1453985"/>
-              <a:gd name="connsiteX3" fmla="*/ 52606 w 848697"/>
-              <a:gd name="connsiteY3" fmla="*/ 66249 h 1453985"/>
-            </a:gdLst>
-            <a:ahLst/>
-            <a:cxnLst>
-              <a:cxn ang="0">
-                <a:pos x="connsiteX0" y="connsiteY0"/>
-              </a:cxn>
-              <a:cxn ang="0">
-                <a:pos x="connsiteX1" y="connsiteY1"/>
-              </a:cxn>
-              <a:cxn ang="0">
-                <a:pos x="connsiteX2" y="connsiteY2"/>
-              </a:cxn>
-              <a:cxn ang="0">
-                <a:pos x="connsiteX3" y="connsiteY3"/>
-              </a:cxn>
-            </a:cxnLst>
-            <a:rect l="l" t="t" r="r" b="b"/>
-            <a:pathLst>
-              <a:path w="848697" h="1453985">
-                <a:moveTo>
-                  <a:pt x="106394" y="1453985"/>
-                </a:moveTo>
-                <a:cubicBezTo>
-                  <a:pt x="479326" y="1220006"/>
-                  <a:pt x="852258" y="986027"/>
-                  <a:pt x="848672" y="754738"/>
-                </a:cubicBezTo>
-                <a:cubicBezTo>
-                  <a:pt x="845086" y="523449"/>
-                  <a:pt x="217557" y="180997"/>
-                  <a:pt x="84879" y="66249"/>
-                </a:cubicBezTo>
-                <a:cubicBezTo>
-                  <a:pt x="-47799" y="-48499"/>
-                  <a:pt x="2403" y="8875"/>
-                  <a:pt x="52606" y="66249"/>
-                </a:cubicBezTo>
-              </a:path>
-            </a:pathLst>
-          </a:custGeom>
-          <a:noFill/>
-          <a:ln w="38100">
-            <a:solidFill>
-              <a:schemeClr val="tx1"/>
-            </a:solidFill>
-          </a:ln>
-        </p:spPr>
-        <p:style>
-          <a:lnRef idx="2">
-            <a:schemeClr val="accent1">
-              <a:shade val="50000"/>
-            </a:schemeClr>
-          </a:lnRef>
-          <a:fillRef idx="1">
-            <a:schemeClr val="accent1"/>
-          </a:fillRef>
-          <a:effectRef idx="0">
-            <a:schemeClr val="accent1"/>
-          </a:effectRef>
-          <a:fontRef idx="minor">
-            <a:schemeClr val="lt1"/>
-          </a:fontRef>
-        </p:style>
-        <p:txBody>
-          <a:bodyPr rtlCol="0" anchor="ctr"/>
-          <a:lstStyle/>
-          <a:p>
-            <a:pPr algn="ctr"/>
-            <a:endParaRPr lang="ko-KR" altLang="en-US"/>
-          </a:p>
-        </p:txBody>
-      </p:sp>
-      <p:sp>
-        <p:nvSpPr>
-          <p:cNvPr id="20" name="자유형 19"/>
-          <p:cNvSpPr/>
-          <p:nvPr/>
-        </p:nvSpPr>
-        <p:spPr>
-          <a:xfrm rot="10519588">
-            <a:off x="5318046" y="2520551"/>
-            <a:ext cx="353061" cy="1470400"/>
-          </a:xfrm>
-          <a:custGeom>
-            <a:avLst/>
-            <a:gdLst>
-              <a:gd name="connsiteX0" fmla="*/ 106394 w 848697"/>
-              <a:gd name="connsiteY0" fmla="*/ 1453985 h 1453985"/>
-              <a:gd name="connsiteX1" fmla="*/ 848672 w 848697"/>
-              <a:gd name="connsiteY1" fmla="*/ 754738 h 1453985"/>
-              <a:gd name="connsiteX2" fmla="*/ 84879 w 848697"/>
-              <a:gd name="connsiteY2" fmla="*/ 66249 h 1453985"/>
-              <a:gd name="connsiteX3" fmla="*/ 52606 w 848697"/>
-              <a:gd name="connsiteY3" fmla="*/ 66249 h 1453985"/>
-            </a:gdLst>
-            <a:ahLst/>
-            <a:cxnLst>
-              <a:cxn ang="0">
-                <a:pos x="connsiteX0" y="connsiteY0"/>
-              </a:cxn>
-              <a:cxn ang="0">
-                <a:pos x="connsiteX1" y="connsiteY1"/>
-              </a:cxn>
-              <a:cxn ang="0">
-                <a:pos x="connsiteX2" y="connsiteY2"/>
-              </a:cxn>
-              <a:cxn ang="0">
-                <a:pos x="connsiteX3" y="connsiteY3"/>
-              </a:cxn>
-            </a:cxnLst>
-            <a:rect l="l" t="t" r="r" b="b"/>
-            <a:pathLst>
-              <a:path w="848697" h="1453985">
-                <a:moveTo>
-                  <a:pt x="106394" y="1453985"/>
-                </a:moveTo>
-                <a:cubicBezTo>
-                  <a:pt x="479326" y="1220006"/>
-                  <a:pt x="852258" y="986027"/>
-                  <a:pt x="848672" y="754738"/>
-                </a:cubicBezTo>
-                <a:cubicBezTo>
-                  <a:pt x="845086" y="523449"/>
-                  <a:pt x="217557" y="180997"/>
-                  <a:pt x="84879" y="66249"/>
-                </a:cubicBezTo>
-                <a:cubicBezTo>
-                  <a:pt x="-47799" y="-48499"/>
-                  <a:pt x="2403" y="8875"/>
-                  <a:pt x="52606" y="66249"/>
-                </a:cubicBezTo>
-              </a:path>
-            </a:pathLst>
-          </a:custGeom>
-          <a:noFill/>
-          <a:ln w="38100">
-            <a:solidFill>
-              <a:schemeClr val="tx1"/>
-            </a:solidFill>
-          </a:ln>
-        </p:spPr>
-        <p:style>
-          <a:lnRef idx="2">
-            <a:schemeClr val="accent1">
-              <a:shade val="50000"/>
-            </a:schemeClr>
-          </a:lnRef>
-          <a:fillRef idx="1">
-            <a:schemeClr val="accent1"/>
-          </a:fillRef>
-          <a:effectRef idx="0">
-            <a:schemeClr val="accent1"/>
-          </a:effectRef>
-          <a:fontRef idx="minor">
-            <a:schemeClr val="lt1"/>
-          </a:fontRef>
-        </p:style>
-        <p:txBody>
-          <a:bodyPr rtlCol="0" anchor="ctr"/>
-          <a:lstStyle/>
-          <a:p>
-            <a:pPr algn="ctr"/>
-            <a:endParaRPr lang="ko-KR" altLang="en-US"/>
-          </a:p>
-        </p:txBody>
-      </p:sp>
-      <p:sp>
-        <p:nvSpPr>
-          <p:cNvPr id="21" name="자유형 20"/>
-          <p:cNvSpPr/>
-          <p:nvPr/>
-        </p:nvSpPr>
-        <p:spPr>
-          <a:xfrm rot="10519588">
-            <a:off x="5348517" y="2271334"/>
-            <a:ext cx="353061" cy="1470400"/>
-          </a:xfrm>
-          <a:custGeom>
-            <a:avLst/>
-            <a:gdLst>
-              <a:gd name="connsiteX0" fmla="*/ 106394 w 848697"/>
-              <a:gd name="connsiteY0" fmla="*/ 1453985 h 1453985"/>
-              <a:gd name="connsiteX1" fmla="*/ 848672 w 848697"/>
-              <a:gd name="connsiteY1" fmla="*/ 754738 h 1453985"/>
-              <a:gd name="connsiteX2" fmla="*/ 84879 w 848697"/>
-              <a:gd name="connsiteY2" fmla="*/ 66249 h 1453985"/>
-              <a:gd name="connsiteX3" fmla="*/ 52606 w 848697"/>
-              <a:gd name="connsiteY3" fmla="*/ 66249 h 1453985"/>
-            </a:gdLst>
-            <a:ahLst/>
-            <a:cxnLst>
-              <a:cxn ang="0">
-                <a:pos x="connsiteX0" y="connsiteY0"/>
-              </a:cxn>
-              <a:cxn ang="0">
-                <a:pos x="connsiteX1" y="connsiteY1"/>
-              </a:cxn>
-              <a:cxn ang="0">
-                <a:pos x="connsiteX2" y="connsiteY2"/>
-              </a:cxn>
-              <a:cxn ang="0">
-                <a:pos x="connsiteX3" y="connsiteY3"/>
-              </a:cxn>
-            </a:cxnLst>
-            <a:rect l="l" t="t" r="r" b="b"/>
-            <a:pathLst>
-              <a:path w="848697" h="1453985">
-                <a:moveTo>
-                  <a:pt x="106394" y="1453985"/>
-                </a:moveTo>
-                <a:cubicBezTo>
-                  <a:pt x="479326" y="1220006"/>
-                  <a:pt x="852258" y="986027"/>
-                  <a:pt x="848672" y="754738"/>
-                </a:cubicBezTo>
-                <a:cubicBezTo>
-                  <a:pt x="845086" y="523449"/>
-                  <a:pt x="217557" y="180997"/>
-                  <a:pt x="84879" y="66249"/>
-                </a:cubicBezTo>
-                <a:cubicBezTo>
-                  <a:pt x="-47799" y="-48499"/>
-                  <a:pt x="2403" y="8875"/>
-                  <a:pt x="52606" y="66249"/>
-                </a:cubicBezTo>
-              </a:path>
-            </a:pathLst>
-          </a:custGeom>
-          <a:noFill/>
-          <a:ln w="38100">
-            <a:solidFill>
-              <a:schemeClr val="tx1"/>
-            </a:solidFill>
-          </a:ln>
-        </p:spPr>
-        <p:style>
-          <a:lnRef idx="2">
-            <a:schemeClr val="accent1">
-              <a:shade val="50000"/>
-            </a:schemeClr>
-          </a:lnRef>
-          <a:fillRef idx="1">
-            <a:schemeClr val="accent1"/>
-          </a:fillRef>
-          <a:effectRef idx="0">
-            <a:schemeClr val="accent1"/>
-          </a:effectRef>
-          <a:fontRef idx="minor">
-            <a:schemeClr val="lt1"/>
-          </a:fontRef>
-        </p:style>
-        <p:txBody>
-          <a:bodyPr rtlCol="0" anchor="ctr"/>
-          <a:lstStyle/>
-          <a:p>
-            <a:pPr algn="ctr"/>
-            <a:endParaRPr lang="ko-KR" altLang="en-US"/>
-          </a:p>
-        </p:txBody>
-      </p:sp>
-      <p:sp>
-        <p:nvSpPr>
-          <p:cNvPr id="22" name="자유형 21"/>
-          <p:cNvSpPr/>
-          <p:nvPr/>
-        </p:nvSpPr>
-        <p:spPr>
-          <a:xfrm rot="10519588">
-            <a:off x="5287573" y="2119602"/>
-            <a:ext cx="353061" cy="1470400"/>
-          </a:xfrm>
-          <a:custGeom>
-            <a:avLst/>
-            <a:gdLst>
-              <a:gd name="connsiteX0" fmla="*/ 106394 w 848697"/>
-              <a:gd name="connsiteY0" fmla="*/ 1453985 h 1453985"/>
-              <a:gd name="connsiteX1" fmla="*/ 848672 w 848697"/>
-              <a:gd name="connsiteY1" fmla="*/ 754738 h 1453985"/>
-              <a:gd name="connsiteX2" fmla="*/ 84879 w 848697"/>
-              <a:gd name="connsiteY2" fmla="*/ 66249 h 1453985"/>
-              <a:gd name="connsiteX3" fmla="*/ 52606 w 848697"/>
-              <a:gd name="connsiteY3" fmla="*/ 66249 h 1453985"/>
-            </a:gdLst>
-            <a:ahLst/>
-            <a:cxnLst>
-              <a:cxn ang="0">
-                <a:pos x="connsiteX0" y="connsiteY0"/>
-              </a:cxn>
-              <a:cxn ang="0">
-                <a:pos x="connsiteX1" y="connsiteY1"/>
-              </a:cxn>
-              <a:cxn ang="0">
-                <a:pos x="connsiteX2" y="connsiteY2"/>
-              </a:cxn>
-              <a:cxn ang="0">
-                <a:pos x="connsiteX3" y="connsiteY3"/>
-              </a:cxn>
-            </a:cxnLst>
-            <a:rect l="l" t="t" r="r" b="b"/>
-            <a:pathLst>
-              <a:path w="848697" h="1453985">
-                <a:moveTo>
-                  <a:pt x="106394" y="1453985"/>
-                </a:moveTo>
-                <a:cubicBezTo>
-                  <a:pt x="479326" y="1220006"/>
-                  <a:pt x="852258" y="986027"/>
-                  <a:pt x="848672" y="754738"/>
-                </a:cubicBezTo>
-                <a:cubicBezTo>
-                  <a:pt x="845086" y="523449"/>
-                  <a:pt x="217557" y="180997"/>
-                  <a:pt x="84879" y="66249"/>
-                </a:cubicBezTo>
-                <a:cubicBezTo>
-                  <a:pt x="-47799" y="-48499"/>
-                  <a:pt x="2403" y="8875"/>
-                  <a:pt x="52606" y="66249"/>
-                </a:cubicBezTo>
-              </a:path>
-            </a:pathLst>
-          </a:custGeom>
-          <a:noFill/>
-          <a:ln w="38100">
-            <a:solidFill>
-              <a:schemeClr val="tx1"/>
-            </a:solidFill>
-          </a:ln>
-        </p:spPr>
-        <p:style>
-          <a:lnRef idx="2">
-            <a:schemeClr val="accent1">
-              <a:shade val="50000"/>
-            </a:schemeClr>
-          </a:lnRef>
-          <a:fillRef idx="1">
-            <a:schemeClr val="accent1"/>
-          </a:fillRef>
-          <a:effectRef idx="0">
-            <a:schemeClr val="accent1"/>
-          </a:effectRef>
-          <a:fontRef idx="minor">
-            <a:schemeClr val="lt1"/>
-          </a:fontRef>
-        </p:style>
-        <p:txBody>
-          <a:bodyPr rtlCol="0" anchor="ctr"/>
-          <a:lstStyle/>
-          <a:p>
-            <a:pPr algn="ctr"/>
-            <a:endParaRPr lang="ko-KR" altLang="en-US"/>
-          </a:p>
-        </p:txBody>
-      </p:sp>
-      <p:cxnSp>
-        <p:nvCxnSpPr>
-          <p:cNvPr id="24" name="직선 연결선 23"/>
-          <p:cNvCxnSpPr/>
-          <p:nvPr/>
-        </p:nvCxnSpPr>
-        <p:spPr>
-          <a:xfrm flipH="1">
-            <a:off x="1850315" y="6223295"/>
-            <a:ext cx="3818965" cy="0"/>
-          </a:xfrm>
-          <a:prstGeom prst="line">
-            <a:avLst/>
-          </a:prstGeom>
-          <a:ln w="38100">
-            <a:solidFill>
-              <a:schemeClr val="tx1"/>
-            </a:solidFill>
-          </a:ln>
-        </p:spPr>
-        <p:style>
-          <a:lnRef idx="1">
-            <a:schemeClr val="accent1"/>
-          </a:lnRef>
-          <a:fillRef idx="0">
-            <a:schemeClr val="accent1"/>
-          </a:fillRef>
-          <a:effectRef idx="0">
-            <a:schemeClr val="accent1"/>
-          </a:effectRef>
-          <a:fontRef idx="minor">
-            <a:schemeClr val="tx1"/>
-          </a:fontRef>
-        </p:style>
-      </p:cxnSp>
-      <p:sp>
-        <p:nvSpPr>
-          <p:cNvPr id="25" name="직사각형 24"/>
-          <p:cNvSpPr/>
-          <p:nvPr/>
-        </p:nvSpPr>
-        <p:spPr>
-          <a:xfrm>
-            <a:off x="666974" y="5767892"/>
-            <a:ext cx="1183341" cy="923355"/>
-          </a:xfrm>
-          <a:prstGeom prst="rect">
-            <a:avLst/>
-          </a:prstGeom>
-        </p:spPr>
-        <p:style>
-          <a:lnRef idx="2">
-            <a:schemeClr val="accent3">
-              <a:shade val="50000"/>
-            </a:schemeClr>
-          </a:lnRef>
-          <a:fillRef idx="1">
-            <a:schemeClr val="accent3"/>
-          </a:fillRef>
-          <a:effectRef idx="0">
-            <a:schemeClr val="accent3"/>
-          </a:effectRef>
-          <a:fontRef idx="minor">
-            <a:schemeClr val="lt1"/>
-          </a:fontRef>
-        </p:style>
-        <p:txBody>
-          <a:bodyPr rtlCol="0" anchor="ctr"/>
-          <a:lstStyle/>
-          <a:p>
-            <a:pPr algn="ctr"/>
-            <a:r>
-              <a:rPr lang="ko-KR" altLang="en-US" dirty="0" smtClean="0">
+            </a:fontRef>
+          </p:style>
+        </p:cxnSp>
+        <p:sp>
+          <p:nvSpPr>
+            <p:cNvPr id="25" name="직사각형 24"/>
+            <p:cNvSpPr/>
+            <p:nvPr/>
+          </p:nvSpPr>
+          <p:spPr>
+            <a:xfrm>
+              <a:off x="666974" y="5767892"/>
+              <a:ext cx="1183341" cy="923355"/>
+            </a:xfrm>
+            <a:prstGeom prst="rect">
+              <a:avLst/>
+            </a:prstGeom>
+          </p:spPr>
+          <p:style>
+            <a:lnRef idx="2">
+              <a:schemeClr val="accent3">
+                <a:shade val="50000"/>
+              </a:schemeClr>
+            </a:lnRef>
+            <a:fillRef idx="1">
+              <a:schemeClr val="accent3"/>
+            </a:fillRef>
+            <a:effectRef idx="0">
+              <a:schemeClr val="accent3"/>
+            </a:effectRef>
+            <a:fontRef idx="minor">
+              <a:schemeClr val="lt1"/>
+            </a:fontRef>
+          </p:style>
+          <p:txBody>
+            <a:bodyPr rtlCol="0" anchor="ctr"/>
+            <a:lstStyle/>
+            <a:p>
+              <a:pPr algn="ctr"/>
+              <a:r>
+                <a:rPr lang="ko-KR" altLang="en-US" dirty="0" smtClean="0">
+                  <a:solidFill>
+                    <a:sysClr val="windowText" lastClr="000000"/>
+                  </a:solidFill>
+                </a:rPr>
+                <a:t>전원</a:t>
+              </a:r>
+              <a:endParaRPr lang="ko-KR" altLang="en-US" dirty="0">
                 <a:solidFill>
                   <a:sysClr val="windowText" lastClr="000000"/>
                 </a:solidFill>
-              </a:rPr>
-              <a:t>전원</a:t>
-            </a:r>
-            <a:endParaRPr lang="ko-KR" altLang="en-US" dirty="0">
+              </a:endParaRPr>
+            </a:p>
+          </p:txBody>
+        </p:sp>
+        <p:cxnSp>
+          <p:nvCxnSpPr>
+            <p:cNvPr id="29" name="구부러진 연결선 28"/>
+            <p:cNvCxnSpPr/>
+            <p:nvPr/>
+          </p:nvCxnSpPr>
+          <p:spPr>
+            <a:xfrm rot="10800000">
+              <a:off x="2317709" y="3795241"/>
+              <a:ext cx="3200923" cy="1528984"/>
+            </a:xfrm>
+            <a:prstGeom prst="curvedConnector3">
+              <a:avLst/>
+            </a:prstGeom>
+            <a:ln w="38100">
               <a:solidFill>
-                <a:sysClr val="windowText" lastClr="000000"/>
+                <a:schemeClr val="tx1"/>
               </a:solidFill>
-            </a:endParaRPr>
-          </a:p>
-        </p:txBody>
-      </p:sp>
-      <p:cxnSp>
-        <p:nvCxnSpPr>
-          <p:cNvPr id="29" name="구부러진 연결선 28"/>
-          <p:cNvCxnSpPr/>
-          <p:nvPr/>
-        </p:nvCxnSpPr>
-        <p:spPr>
-          <a:xfrm rot="10800000">
-            <a:off x="2317709" y="3795241"/>
-            <a:ext cx="3200923" cy="1528984"/>
-          </a:xfrm>
-          <a:prstGeom prst="curvedConnector3">
-            <a:avLst/>
-          </a:prstGeom>
-          <a:ln w="38100">
+              <a:prstDash val="sysDot"/>
+              <a:headEnd type="triangle"/>
+              <a:tailEnd type="triangle"/>
+            </a:ln>
+          </p:spPr>
+          <p:style>
+            <a:lnRef idx="1">
+              <a:schemeClr val="accent1"/>
+            </a:lnRef>
+            <a:fillRef idx="0">
+              <a:schemeClr val="accent1"/>
+            </a:fillRef>
+            <a:effectRef idx="0">
+              <a:schemeClr val="accent1"/>
+            </a:effectRef>
+            <a:fontRef idx="minor">
+              <a:schemeClr val="tx1"/>
+            </a:fontRef>
+          </p:style>
+        </p:cxnSp>
+        <p:sp>
+          <p:nvSpPr>
+            <p:cNvPr id="30" name="TextBox 29"/>
+            <p:cNvSpPr txBox="1"/>
+            <p:nvPr/>
+          </p:nvSpPr>
+          <p:spPr>
+            <a:xfrm>
+              <a:off x="6792043" y="2137895"/>
+              <a:ext cx="830677" cy="523220"/>
+            </a:xfrm>
+            <a:prstGeom prst="rect">
+              <a:avLst/>
+            </a:prstGeom>
+            <a:noFill/>
+          </p:spPr>
+          <p:txBody>
+            <a:bodyPr wrap="none" rtlCol="0">
+              <a:spAutoFit/>
+            </a:bodyPr>
+            <a:lstStyle/>
+            <a:p>
+              <a:r>
+                <a:rPr lang="en-US" altLang="ko-KR" sz="2800" b="1" dirty="0" smtClean="0"/>
+                <a:t>LED</a:t>
+              </a:r>
+              <a:endParaRPr lang="ko-KR" altLang="en-US" sz="2800" b="1" dirty="0"/>
+            </a:p>
+          </p:txBody>
+        </p:sp>
+        <p:sp>
+          <p:nvSpPr>
+            <p:cNvPr id="31" name="TextBox 30"/>
+            <p:cNvSpPr txBox="1"/>
+            <p:nvPr/>
+          </p:nvSpPr>
+          <p:spPr>
+            <a:xfrm>
+              <a:off x="199945" y="3610574"/>
+              <a:ext cx="1893467" cy="369332"/>
+            </a:xfrm>
+            <a:prstGeom prst="rect">
+              <a:avLst/>
+            </a:prstGeom>
+            <a:noFill/>
+          </p:spPr>
+          <p:txBody>
+            <a:bodyPr wrap="none" rtlCol="0">
+              <a:spAutoFit/>
+            </a:bodyPr>
+            <a:lstStyle/>
+            <a:p>
+              <a:r>
+                <a:rPr lang="ko-KR" altLang="en-US" dirty="0" smtClean="0"/>
+                <a:t>기상청 </a:t>
+              </a:r>
+              <a:r>
+                <a:rPr lang="en-US" altLang="ko-KR" dirty="0" smtClean="0"/>
+                <a:t>RSS </a:t>
+              </a:r>
+              <a:r>
+                <a:rPr lang="ko-KR" altLang="en-US" dirty="0" smtClean="0"/>
+                <a:t>정보</a:t>
+              </a:r>
+              <a:endParaRPr lang="ko-KR" altLang="en-US" dirty="0"/>
+            </a:p>
+          </p:txBody>
+        </p:sp>
+        <p:sp>
+          <p:nvSpPr>
+            <p:cNvPr id="32" name="모서리가 둥근 직사각형 31"/>
+            <p:cNvSpPr/>
+            <p:nvPr/>
+          </p:nvSpPr>
+          <p:spPr>
+            <a:xfrm>
+              <a:off x="168519" y="3296050"/>
+              <a:ext cx="1956318" cy="998380"/>
+            </a:xfrm>
+            <a:prstGeom prst="roundRect">
+              <a:avLst/>
+            </a:prstGeom>
+            <a:noFill/>
+            <a:ln w="38100">
+              <a:solidFill>
+                <a:schemeClr val="tx1"/>
+              </a:solidFill>
+              <a:prstDash val="sysDot"/>
+            </a:ln>
+          </p:spPr>
+          <p:style>
+            <a:lnRef idx="2">
+              <a:schemeClr val="accent1">
+                <a:shade val="50000"/>
+              </a:schemeClr>
+            </a:lnRef>
+            <a:fillRef idx="1">
+              <a:schemeClr val="accent1"/>
+            </a:fillRef>
+            <a:effectRef idx="0">
+              <a:schemeClr val="accent1"/>
+            </a:effectRef>
+            <a:fontRef idx="minor">
+              <a:schemeClr val="lt1"/>
+            </a:fontRef>
+          </p:style>
+          <p:txBody>
+            <a:bodyPr rtlCol="0" anchor="ctr"/>
+            <a:lstStyle/>
+            <a:p>
+              <a:pPr algn="ctr"/>
+              <a:endParaRPr lang="ko-KR" altLang="en-US"/>
+            </a:p>
+          </p:txBody>
+        </p:sp>
+        <p:sp>
+          <p:nvSpPr>
+            <p:cNvPr id="34" name="직사각형 33"/>
+            <p:cNvSpPr/>
+            <p:nvPr/>
+          </p:nvSpPr>
+          <p:spPr>
+            <a:xfrm>
+              <a:off x="6144907" y="246488"/>
+              <a:ext cx="3148659" cy="1495100"/>
+            </a:xfrm>
+            <a:prstGeom prst="rect">
+              <a:avLst/>
+            </a:prstGeom>
             <a:solidFill>
-              <a:schemeClr val="tx1"/>
+              <a:schemeClr val="accent1">
+                <a:lumMod val="20000"/>
+                <a:lumOff val="80000"/>
+              </a:schemeClr>
             </a:solidFill>
-            <a:prstDash val="sysDot"/>
-            <a:headEnd type="triangle"/>
-            <a:tailEnd type="triangle"/>
-          </a:ln>
-        </p:spPr>
-        <p:style>
-          <a:lnRef idx="1">
-            <a:schemeClr val="accent1"/>
-          </a:lnRef>
-          <a:fillRef idx="0">
-            <a:schemeClr val="accent1"/>
-          </a:fillRef>
-          <a:effectRef idx="0">
-            <a:schemeClr val="accent1"/>
-          </a:effectRef>
-          <a:fontRef idx="minor">
-            <a:schemeClr val="tx1"/>
-          </a:fontRef>
-        </p:style>
-      </p:cxnSp>
-      <p:sp>
-        <p:nvSpPr>
-          <p:cNvPr id="30" name="TextBox 29"/>
-          <p:cNvSpPr txBox="1"/>
-          <p:nvPr/>
-        </p:nvSpPr>
-        <p:spPr>
-          <a:xfrm>
-            <a:off x="6792043" y="2137895"/>
-            <a:ext cx="830677" cy="523220"/>
-          </a:xfrm>
-          <a:prstGeom prst="rect">
-            <a:avLst/>
-          </a:prstGeom>
-          <a:noFill/>
-        </p:spPr>
-        <p:txBody>
-          <a:bodyPr wrap="none" rtlCol="0">
-            <a:spAutoFit/>
-          </a:bodyPr>
-          <a:lstStyle/>
-          <a:p>
-            <a:r>
-              <a:rPr lang="en-US" altLang="ko-KR" sz="2800" b="1" dirty="0" smtClean="0"/>
-              <a:t>LED</a:t>
-            </a:r>
-            <a:endParaRPr lang="ko-KR" altLang="en-US" sz="2800" b="1" dirty="0"/>
-          </a:p>
-        </p:txBody>
-      </p:sp>
-      <p:sp>
-        <p:nvSpPr>
-          <p:cNvPr id="31" name="TextBox 30"/>
-          <p:cNvSpPr txBox="1"/>
-          <p:nvPr/>
-        </p:nvSpPr>
-        <p:spPr>
-          <a:xfrm>
-            <a:off x="199945" y="3610574"/>
-            <a:ext cx="1893467" cy="369332"/>
-          </a:xfrm>
-          <a:prstGeom prst="rect">
-            <a:avLst/>
-          </a:prstGeom>
-          <a:noFill/>
-        </p:spPr>
-        <p:txBody>
-          <a:bodyPr wrap="none" rtlCol="0">
-            <a:spAutoFit/>
-          </a:bodyPr>
-          <a:lstStyle/>
-          <a:p>
-            <a:r>
-              <a:rPr lang="ko-KR" altLang="en-US" dirty="0" smtClean="0"/>
-              <a:t>기상청 </a:t>
-            </a:r>
-            <a:r>
-              <a:rPr lang="en-US" altLang="ko-KR" dirty="0" smtClean="0"/>
-              <a:t>RSS </a:t>
-            </a:r>
-            <a:r>
-              <a:rPr lang="ko-KR" altLang="en-US" dirty="0" smtClean="0"/>
-              <a:t>정보</a:t>
-            </a:r>
-            <a:endParaRPr lang="ko-KR" altLang="en-US" dirty="0"/>
-          </a:p>
-        </p:txBody>
-      </p:sp>
-      <p:sp>
-        <p:nvSpPr>
-          <p:cNvPr id="32" name="모서리가 둥근 직사각형 31"/>
-          <p:cNvSpPr/>
-          <p:nvPr/>
-        </p:nvSpPr>
-        <p:spPr>
-          <a:xfrm>
-            <a:off x="168519" y="3296050"/>
-            <a:ext cx="1956318" cy="998380"/>
-          </a:xfrm>
-          <a:prstGeom prst="roundRect">
-            <a:avLst/>
-          </a:prstGeom>
-          <a:noFill/>
-          <a:ln w="38100">
+            <a:ln>
+              <a:solidFill>
+                <a:schemeClr val="tx1"/>
+              </a:solidFill>
+            </a:ln>
+          </p:spPr>
+          <p:style>
+            <a:lnRef idx="2">
+              <a:schemeClr val="accent1">
+                <a:shade val="50000"/>
+              </a:schemeClr>
+            </a:lnRef>
+            <a:fillRef idx="1">
+              <a:schemeClr val="accent1"/>
+            </a:fillRef>
+            <a:effectRef idx="0">
+              <a:schemeClr val="accent1"/>
+            </a:effectRef>
+            <a:fontRef idx="minor">
+              <a:schemeClr val="lt1"/>
+            </a:fontRef>
+          </p:style>
+          <p:txBody>
+            <a:bodyPr rtlCol="0" anchor="ctr"/>
+            <a:lstStyle/>
+            <a:p>
+              <a:pPr algn="ctr"/>
+              <a:endParaRPr lang="ko-KR" altLang="en-US"/>
+            </a:p>
+          </p:txBody>
+        </p:sp>
+        <p:sp>
+          <p:nvSpPr>
+            <p:cNvPr id="41" name="직사각형 40"/>
+            <p:cNvSpPr/>
+            <p:nvPr/>
+          </p:nvSpPr>
+          <p:spPr>
+            <a:xfrm>
+              <a:off x="5991224" y="299704"/>
+              <a:ext cx="3148659" cy="1495100"/>
+            </a:xfrm>
+            <a:prstGeom prst="rect">
+              <a:avLst/>
+            </a:prstGeom>
             <a:solidFill>
-              <a:schemeClr val="tx1"/>
+              <a:schemeClr val="accent1">
+                <a:lumMod val="20000"/>
+                <a:lumOff val="80000"/>
+              </a:schemeClr>
             </a:solidFill>
-            <a:prstDash val="sysDot"/>
-          </a:ln>
-        </p:spPr>
-        <p:style>
-          <a:lnRef idx="2">
-            <a:schemeClr val="accent1">
-              <a:shade val="50000"/>
-            </a:schemeClr>
-          </a:lnRef>
-          <a:fillRef idx="1">
-            <a:schemeClr val="accent1"/>
-          </a:fillRef>
-          <a:effectRef idx="0">
-            <a:schemeClr val="accent1"/>
-          </a:effectRef>
-          <a:fontRef idx="minor">
-            <a:schemeClr val="lt1"/>
-          </a:fontRef>
-        </p:style>
-        <p:txBody>
-          <a:bodyPr rtlCol="0" anchor="ctr"/>
-          <a:lstStyle/>
-          <a:p>
-            <a:pPr algn="ctr"/>
-            <a:endParaRPr lang="ko-KR" altLang="en-US"/>
-          </a:p>
-        </p:txBody>
-      </p:sp>
-      <p:sp>
-        <p:nvSpPr>
-          <p:cNvPr id="34" name="직사각형 33"/>
-          <p:cNvSpPr/>
-          <p:nvPr/>
-        </p:nvSpPr>
-        <p:spPr>
-          <a:xfrm>
-            <a:off x="6144907" y="246488"/>
-            <a:ext cx="3148659" cy="1495100"/>
-          </a:xfrm>
-          <a:prstGeom prst="rect">
-            <a:avLst/>
-          </a:prstGeom>
-          <a:solidFill>
-            <a:schemeClr val="accent1">
-              <a:lumMod val="20000"/>
-              <a:lumOff val="80000"/>
-            </a:schemeClr>
-          </a:solidFill>
-          <a:ln>
+            <a:ln>
+              <a:solidFill>
+                <a:schemeClr val="tx1"/>
+              </a:solidFill>
+            </a:ln>
+          </p:spPr>
+          <p:style>
+            <a:lnRef idx="2">
+              <a:schemeClr val="accent1">
+                <a:shade val="50000"/>
+              </a:schemeClr>
+            </a:lnRef>
+            <a:fillRef idx="1">
+              <a:schemeClr val="accent1"/>
+            </a:fillRef>
+            <a:effectRef idx="0">
+              <a:schemeClr val="accent1"/>
+            </a:effectRef>
+            <a:fontRef idx="minor">
+              <a:schemeClr val="lt1"/>
+            </a:fontRef>
+          </p:style>
+          <p:txBody>
+            <a:bodyPr rtlCol="0" anchor="ctr"/>
+            <a:lstStyle/>
+            <a:p>
+              <a:pPr algn="ctr"/>
+              <a:endParaRPr lang="ko-KR" altLang="en-US"/>
+            </a:p>
+          </p:txBody>
+        </p:sp>
+        <p:sp>
+          <p:nvSpPr>
+            <p:cNvPr id="42" name="직사각형 41"/>
+            <p:cNvSpPr/>
+            <p:nvPr/>
+          </p:nvSpPr>
+          <p:spPr>
+            <a:xfrm>
+              <a:off x="5655137" y="364330"/>
+              <a:ext cx="3148659" cy="1495100"/>
+            </a:xfrm>
+            <a:prstGeom prst="rect">
+              <a:avLst/>
+            </a:prstGeom>
             <a:solidFill>
-              <a:schemeClr val="tx1"/>
+              <a:schemeClr val="accent1">
+                <a:lumMod val="20000"/>
+                <a:lumOff val="80000"/>
+              </a:schemeClr>
             </a:solidFill>
-          </a:ln>
-        </p:spPr>
-        <p:style>
-          <a:lnRef idx="2">
-            <a:schemeClr val="accent1">
-              <a:shade val="50000"/>
-            </a:schemeClr>
-          </a:lnRef>
-          <a:fillRef idx="1">
-            <a:schemeClr val="accent1"/>
-          </a:fillRef>
-          <a:effectRef idx="0">
-            <a:schemeClr val="accent1"/>
-          </a:effectRef>
-          <a:fontRef idx="minor">
-            <a:schemeClr val="lt1"/>
-          </a:fontRef>
-        </p:style>
-        <p:txBody>
-          <a:bodyPr rtlCol="0" anchor="ctr"/>
-          <a:lstStyle/>
-          <a:p>
-            <a:pPr algn="ctr"/>
-            <a:endParaRPr lang="ko-KR" altLang="en-US"/>
-          </a:p>
-        </p:txBody>
-      </p:sp>
-      <p:sp>
-        <p:nvSpPr>
-          <p:cNvPr id="41" name="직사각형 40"/>
-          <p:cNvSpPr/>
-          <p:nvPr/>
-        </p:nvSpPr>
-        <p:spPr>
-          <a:xfrm>
-            <a:off x="5991224" y="299704"/>
-            <a:ext cx="3148659" cy="1495100"/>
-          </a:xfrm>
-          <a:prstGeom prst="rect">
-            <a:avLst/>
-          </a:prstGeom>
-          <a:solidFill>
-            <a:schemeClr val="accent1">
-              <a:lumMod val="20000"/>
-              <a:lumOff val="80000"/>
-            </a:schemeClr>
-          </a:solidFill>
-          <a:ln>
+            <a:ln>
+              <a:solidFill>
+                <a:schemeClr val="tx1"/>
+              </a:solidFill>
+            </a:ln>
+          </p:spPr>
+          <p:style>
+            <a:lnRef idx="2">
+              <a:schemeClr val="accent1">
+                <a:shade val="50000"/>
+              </a:schemeClr>
+            </a:lnRef>
+            <a:fillRef idx="1">
+              <a:schemeClr val="accent1"/>
+            </a:fillRef>
+            <a:effectRef idx="0">
+              <a:schemeClr val="accent1"/>
+            </a:effectRef>
+            <a:fontRef idx="minor">
+              <a:schemeClr val="lt1"/>
+            </a:fontRef>
+          </p:style>
+          <p:txBody>
+            <a:bodyPr rtlCol="0" anchor="ctr"/>
+            <a:lstStyle/>
+            <a:p>
+              <a:pPr algn="ctr"/>
+              <a:endParaRPr lang="ko-KR" altLang="en-US"/>
+            </a:p>
+          </p:txBody>
+        </p:sp>
+        <p:sp>
+          <p:nvSpPr>
+            <p:cNvPr id="43" name="직사각형 42"/>
+            <p:cNvSpPr/>
+            <p:nvPr/>
+          </p:nvSpPr>
+          <p:spPr>
+            <a:xfrm>
+              <a:off x="5416082" y="440879"/>
+              <a:ext cx="3148659" cy="1495100"/>
+            </a:xfrm>
+            <a:prstGeom prst="rect">
+              <a:avLst/>
+            </a:prstGeom>
             <a:solidFill>
-              <a:schemeClr val="tx1"/>
+              <a:schemeClr val="accent1">
+                <a:lumMod val="20000"/>
+                <a:lumOff val="80000"/>
+              </a:schemeClr>
             </a:solidFill>
-          </a:ln>
-        </p:spPr>
-        <p:style>
-          <a:lnRef idx="2">
-            <a:schemeClr val="accent1">
-              <a:shade val="50000"/>
-            </a:schemeClr>
-          </a:lnRef>
-          <a:fillRef idx="1">
-            <a:schemeClr val="accent1"/>
-          </a:fillRef>
-          <a:effectRef idx="0">
-            <a:schemeClr val="accent1"/>
-          </a:effectRef>
-          <a:fontRef idx="minor">
-            <a:schemeClr val="lt1"/>
-          </a:fontRef>
-        </p:style>
-        <p:txBody>
-          <a:bodyPr rtlCol="0" anchor="ctr"/>
-          <a:lstStyle/>
-          <a:p>
-            <a:pPr algn="ctr"/>
-            <a:endParaRPr lang="ko-KR" altLang="en-US"/>
-          </a:p>
-        </p:txBody>
-      </p:sp>
-      <p:sp>
-        <p:nvSpPr>
-          <p:cNvPr id="42" name="직사각형 41"/>
-          <p:cNvSpPr/>
-          <p:nvPr/>
-        </p:nvSpPr>
-        <p:spPr>
-          <a:xfrm>
-            <a:off x="5655137" y="364330"/>
-            <a:ext cx="3148659" cy="1495100"/>
-          </a:xfrm>
-          <a:prstGeom prst="rect">
-            <a:avLst/>
-          </a:prstGeom>
-          <a:solidFill>
-            <a:schemeClr val="accent1">
-              <a:lumMod val="20000"/>
-              <a:lumOff val="80000"/>
-            </a:schemeClr>
-          </a:solidFill>
-          <a:ln>
-            <a:solidFill>
-              <a:schemeClr val="tx1"/>
-            </a:solidFill>
-          </a:ln>
-        </p:spPr>
-        <p:style>
-          <a:lnRef idx="2">
-            <a:schemeClr val="accent1">
-              <a:shade val="50000"/>
-            </a:schemeClr>
-          </a:lnRef>
-          <a:fillRef idx="1">
-            <a:schemeClr val="accent1"/>
-          </a:fillRef>
-          <a:effectRef idx="0">
-            <a:schemeClr val="accent1"/>
-          </a:effectRef>
-          <a:fontRef idx="minor">
-            <a:schemeClr val="lt1"/>
-          </a:fontRef>
-        </p:style>
-        <p:txBody>
-          <a:bodyPr rtlCol="0" anchor="ctr"/>
-          <a:lstStyle/>
-          <a:p>
-            <a:pPr algn="ctr"/>
-            <a:endParaRPr lang="ko-KR" altLang="en-US"/>
-          </a:p>
-        </p:txBody>
-      </p:sp>
-      <p:sp>
-        <p:nvSpPr>
-          <p:cNvPr id="43" name="직사각형 42"/>
-          <p:cNvSpPr/>
-          <p:nvPr/>
-        </p:nvSpPr>
-        <p:spPr>
-          <a:xfrm>
-            <a:off x="5416082" y="440879"/>
-            <a:ext cx="3148659" cy="1495100"/>
-          </a:xfrm>
-          <a:prstGeom prst="rect">
-            <a:avLst/>
-          </a:prstGeom>
-          <a:solidFill>
-            <a:schemeClr val="accent1">
-              <a:lumMod val="20000"/>
-              <a:lumOff val="80000"/>
-            </a:schemeClr>
-          </a:solidFill>
-          <a:ln>
-            <a:solidFill>
-              <a:schemeClr val="tx1"/>
-            </a:solidFill>
-          </a:ln>
-        </p:spPr>
-        <p:style>
-          <a:lnRef idx="2">
-            <a:schemeClr val="accent1">
-              <a:shade val="50000"/>
-            </a:schemeClr>
-          </a:lnRef>
-          <a:fillRef idx="1">
-            <a:schemeClr val="accent1"/>
-          </a:fillRef>
-          <a:effectRef idx="0">
-            <a:schemeClr val="accent1"/>
-          </a:effectRef>
-          <a:fontRef idx="minor">
-            <a:schemeClr val="lt1"/>
-          </a:fontRef>
-        </p:style>
-        <p:txBody>
-          <a:bodyPr rtlCol="0" anchor="ctr"/>
-          <a:lstStyle/>
-          <a:p>
-            <a:pPr algn="ctr"/>
-            <a:endParaRPr lang="ko-KR" altLang="en-US"/>
-          </a:p>
-        </p:txBody>
-      </p:sp>
-      <p:sp>
-        <p:nvSpPr>
-          <p:cNvPr id="44" name="TextBox 43"/>
-          <p:cNvSpPr txBox="1"/>
-          <p:nvPr/>
-        </p:nvSpPr>
-        <p:spPr>
-          <a:xfrm>
-            <a:off x="6457557" y="1058512"/>
-            <a:ext cx="1107996" cy="369332"/>
-          </a:xfrm>
-          <a:prstGeom prst="rect">
-            <a:avLst/>
-          </a:prstGeom>
-          <a:noFill/>
-        </p:spPr>
-        <p:txBody>
-          <a:bodyPr wrap="none" rtlCol="0">
-            <a:spAutoFit/>
-          </a:bodyPr>
-          <a:lstStyle/>
-          <a:p>
-            <a:r>
-              <a:rPr lang="ko-KR" altLang="en-US" dirty="0" smtClean="0"/>
-              <a:t>아크릴판</a:t>
-            </a:r>
-            <a:endParaRPr lang="ko-KR" altLang="en-US" dirty="0"/>
-          </a:p>
-        </p:txBody>
-      </p:sp>
-      <p:sp>
-        <p:nvSpPr>
-          <p:cNvPr id="5" name="자유형 4"/>
-          <p:cNvSpPr/>
-          <p:nvPr/>
-        </p:nvSpPr>
-        <p:spPr>
-          <a:xfrm>
-            <a:off x="8240358" y="2807746"/>
-            <a:ext cx="992149" cy="2718390"/>
-          </a:xfrm>
-          <a:custGeom>
-            <a:avLst/>
-            <a:gdLst>
-              <a:gd name="connsiteX0" fmla="*/ 602428 w 992149"/>
-              <a:gd name="connsiteY0" fmla="*/ 0 h 2452743"/>
-              <a:gd name="connsiteX1" fmla="*/ 968188 w 992149"/>
-              <a:gd name="connsiteY1" fmla="*/ 1420009 h 2452743"/>
-              <a:gd name="connsiteX2" fmla="*/ 0 w 992149"/>
-              <a:gd name="connsiteY2" fmla="*/ 2452743 h 2452743"/>
-            </a:gdLst>
-            <a:ahLst/>
-            <a:cxnLst>
-              <a:cxn ang="0">
-                <a:pos x="connsiteX0" y="connsiteY0"/>
-              </a:cxn>
-              <a:cxn ang="0">
-                <a:pos x="connsiteX1" y="connsiteY1"/>
-              </a:cxn>
-              <a:cxn ang="0">
-                <a:pos x="connsiteX2" y="connsiteY2"/>
-              </a:cxn>
-            </a:cxnLst>
-            <a:rect l="l" t="t" r="r" b="b"/>
-            <a:pathLst>
-              <a:path w="992149" h="2452743">
-                <a:moveTo>
-                  <a:pt x="602428" y="0"/>
-                </a:moveTo>
-                <a:cubicBezTo>
-                  <a:pt x="835510" y="505609"/>
-                  <a:pt x="1068593" y="1011219"/>
-                  <a:pt x="968188" y="1420009"/>
-                </a:cubicBezTo>
-                <a:cubicBezTo>
-                  <a:pt x="867783" y="1828800"/>
-                  <a:pt x="433891" y="2140771"/>
-                  <a:pt x="0" y="2452743"/>
-                </a:cubicBezTo>
-              </a:path>
-            </a:pathLst>
-          </a:custGeom>
-          <a:noFill/>
-          <a:ln w="28575">
-            <a:solidFill>
-              <a:schemeClr val="tx1"/>
-            </a:solidFill>
-          </a:ln>
-        </p:spPr>
-        <p:style>
-          <a:lnRef idx="2">
-            <a:schemeClr val="accent1">
-              <a:shade val="50000"/>
-            </a:schemeClr>
-          </a:lnRef>
-          <a:fillRef idx="1">
-            <a:schemeClr val="accent1"/>
-          </a:fillRef>
-          <a:effectRef idx="0">
-            <a:schemeClr val="accent1"/>
-          </a:effectRef>
-          <a:fontRef idx="minor">
-            <a:schemeClr val="lt1"/>
-          </a:fontRef>
-        </p:style>
-        <p:txBody>
-          <a:bodyPr rtlCol="0" anchor="ctr"/>
-          <a:lstStyle/>
-          <a:p>
-            <a:pPr algn="ctr"/>
-            <a:endParaRPr lang="ko-KR" altLang="en-US"/>
-          </a:p>
-        </p:txBody>
-      </p:sp>
-      <p:sp>
-        <p:nvSpPr>
-          <p:cNvPr id="37" name="자유형 36"/>
-          <p:cNvSpPr/>
-          <p:nvPr/>
-        </p:nvSpPr>
-        <p:spPr>
-          <a:xfrm>
-            <a:off x="8343964" y="2527301"/>
-            <a:ext cx="992149" cy="2718390"/>
-          </a:xfrm>
-          <a:custGeom>
-            <a:avLst/>
-            <a:gdLst>
-              <a:gd name="connsiteX0" fmla="*/ 602428 w 992149"/>
-              <a:gd name="connsiteY0" fmla="*/ 0 h 2452743"/>
-              <a:gd name="connsiteX1" fmla="*/ 968188 w 992149"/>
-              <a:gd name="connsiteY1" fmla="*/ 1420009 h 2452743"/>
-              <a:gd name="connsiteX2" fmla="*/ 0 w 992149"/>
-              <a:gd name="connsiteY2" fmla="*/ 2452743 h 2452743"/>
-            </a:gdLst>
-            <a:ahLst/>
-            <a:cxnLst>
-              <a:cxn ang="0">
-                <a:pos x="connsiteX0" y="connsiteY0"/>
-              </a:cxn>
-              <a:cxn ang="0">
-                <a:pos x="connsiteX1" y="connsiteY1"/>
-              </a:cxn>
-              <a:cxn ang="0">
-                <a:pos x="connsiteX2" y="connsiteY2"/>
-              </a:cxn>
-            </a:cxnLst>
-            <a:rect l="l" t="t" r="r" b="b"/>
-            <a:pathLst>
-              <a:path w="992149" h="2452743">
-                <a:moveTo>
-                  <a:pt x="602428" y="0"/>
-                </a:moveTo>
-                <a:cubicBezTo>
-                  <a:pt x="835510" y="505609"/>
-                  <a:pt x="1068593" y="1011219"/>
-                  <a:pt x="968188" y="1420009"/>
-                </a:cubicBezTo>
-                <a:cubicBezTo>
-                  <a:pt x="867783" y="1828800"/>
-                  <a:pt x="433891" y="2140771"/>
-                  <a:pt x="0" y="2452743"/>
-                </a:cubicBezTo>
-              </a:path>
-            </a:pathLst>
-          </a:custGeom>
-          <a:noFill/>
-          <a:ln w="28575">
-            <a:solidFill>
-              <a:schemeClr val="tx1"/>
-            </a:solidFill>
-          </a:ln>
-        </p:spPr>
-        <p:style>
-          <a:lnRef idx="2">
-            <a:schemeClr val="accent1">
-              <a:shade val="50000"/>
-            </a:schemeClr>
-          </a:lnRef>
-          <a:fillRef idx="1">
-            <a:schemeClr val="accent1"/>
-          </a:fillRef>
-          <a:effectRef idx="0">
-            <a:schemeClr val="accent1"/>
-          </a:effectRef>
-          <a:fontRef idx="minor">
-            <a:schemeClr val="lt1"/>
-          </a:fontRef>
-        </p:style>
-        <p:txBody>
-          <a:bodyPr rtlCol="0" anchor="ctr"/>
-          <a:lstStyle/>
-          <a:p>
-            <a:pPr algn="ctr"/>
-            <a:endParaRPr lang="ko-KR" altLang="en-US"/>
-          </a:p>
-        </p:txBody>
-      </p:sp>
-      <p:sp>
-        <p:nvSpPr>
-          <p:cNvPr id="38" name="자유형 37"/>
-          <p:cNvSpPr/>
-          <p:nvPr/>
-        </p:nvSpPr>
-        <p:spPr>
-          <a:xfrm>
-            <a:off x="8343964" y="2309265"/>
-            <a:ext cx="992149" cy="2718390"/>
-          </a:xfrm>
-          <a:custGeom>
-            <a:avLst/>
-            <a:gdLst>
-              <a:gd name="connsiteX0" fmla="*/ 602428 w 992149"/>
-              <a:gd name="connsiteY0" fmla="*/ 0 h 2452743"/>
-              <a:gd name="connsiteX1" fmla="*/ 968188 w 992149"/>
-              <a:gd name="connsiteY1" fmla="*/ 1420009 h 2452743"/>
-              <a:gd name="connsiteX2" fmla="*/ 0 w 992149"/>
-              <a:gd name="connsiteY2" fmla="*/ 2452743 h 2452743"/>
-            </a:gdLst>
-            <a:ahLst/>
-            <a:cxnLst>
-              <a:cxn ang="0">
-                <a:pos x="connsiteX0" y="connsiteY0"/>
-              </a:cxn>
-              <a:cxn ang="0">
-                <a:pos x="connsiteX1" y="connsiteY1"/>
-              </a:cxn>
-              <a:cxn ang="0">
-                <a:pos x="connsiteX2" y="connsiteY2"/>
-              </a:cxn>
-            </a:cxnLst>
-            <a:rect l="l" t="t" r="r" b="b"/>
-            <a:pathLst>
-              <a:path w="992149" h="2452743">
-                <a:moveTo>
-                  <a:pt x="602428" y="0"/>
-                </a:moveTo>
-                <a:cubicBezTo>
-                  <a:pt x="835510" y="505609"/>
-                  <a:pt x="1068593" y="1011219"/>
-                  <a:pt x="968188" y="1420009"/>
-                </a:cubicBezTo>
-                <a:cubicBezTo>
-                  <a:pt x="867783" y="1828800"/>
-                  <a:pt x="433891" y="2140771"/>
-                  <a:pt x="0" y="2452743"/>
-                </a:cubicBezTo>
-              </a:path>
-            </a:pathLst>
-          </a:custGeom>
-          <a:noFill/>
-          <a:ln w="28575">
-            <a:solidFill>
-              <a:schemeClr val="tx1"/>
-            </a:solidFill>
-          </a:ln>
-        </p:spPr>
-        <p:style>
-          <a:lnRef idx="2">
-            <a:schemeClr val="accent1">
-              <a:shade val="50000"/>
-            </a:schemeClr>
-          </a:lnRef>
-          <a:fillRef idx="1">
-            <a:schemeClr val="accent1"/>
-          </a:fillRef>
-          <a:effectRef idx="0">
-            <a:schemeClr val="accent1"/>
-          </a:effectRef>
-          <a:fontRef idx="minor">
-            <a:schemeClr val="lt1"/>
-          </a:fontRef>
-        </p:style>
-        <p:txBody>
-          <a:bodyPr rtlCol="0" anchor="ctr"/>
-          <a:lstStyle/>
-          <a:p>
-            <a:pPr algn="ctr"/>
-            <a:endParaRPr lang="ko-KR" altLang="en-US"/>
-          </a:p>
-        </p:txBody>
-      </p:sp>
-      <p:sp>
-        <p:nvSpPr>
-          <p:cNvPr id="39" name="자유형 38"/>
-          <p:cNvSpPr/>
-          <p:nvPr/>
-        </p:nvSpPr>
-        <p:spPr>
-          <a:xfrm>
-            <a:off x="8326466" y="2058815"/>
-            <a:ext cx="992149" cy="2718390"/>
-          </a:xfrm>
-          <a:custGeom>
-            <a:avLst/>
-            <a:gdLst>
-              <a:gd name="connsiteX0" fmla="*/ 602428 w 992149"/>
-              <a:gd name="connsiteY0" fmla="*/ 0 h 2452743"/>
-              <a:gd name="connsiteX1" fmla="*/ 968188 w 992149"/>
-              <a:gd name="connsiteY1" fmla="*/ 1420009 h 2452743"/>
-              <a:gd name="connsiteX2" fmla="*/ 0 w 992149"/>
-              <a:gd name="connsiteY2" fmla="*/ 2452743 h 2452743"/>
-            </a:gdLst>
-            <a:ahLst/>
-            <a:cxnLst>
-              <a:cxn ang="0">
-                <a:pos x="connsiteX0" y="connsiteY0"/>
-              </a:cxn>
-              <a:cxn ang="0">
-                <a:pos x="connsiteX1" y="connsiteY1"/>
-              </a:cxn>
-              <a:cxn ang="0">
-                <a:pos x="connsiteX2" y="connsiteY2"/>
-              </a:cxn>
-            </a:cxnLst>
-            <a:rect l="l" t="t" r="r" b="b"/>
-            <a:pathLst>
-              <a:path w="992149" h="2452743">
-                <a:moveTo>
-                  <a:pt x="602428" y="0"/>
-                </a:moveTo>
-                <a:cubicBezTo>
-                  <a:pt x="835510" y="505609"/>
-                  <a:pt x="1068593" y="1011219"/>
-                  <a:pt x="968188" y="1420009"/>
-                </a:cubicBezTo>
-                <a:cubicBezTo>
-                  <a:pt x="867783" y="1828800"/>
-                  <a:pt x="433891" y="2140771"/>
-                  <a:pt x="0" y="2452743"/>
-                </a:cubicBezTo>
-              </a:path>
-            </a:pathLst>
-          </a:custGeom>
-          <a:noFill/>
-          <a:ln w="28575">
-            <a:solidFill>
-              <a:schemeClr val="tx1"/>
-            </a:solidFill>
-          </a:ln>
-        </p:spPr>
-        <p:style>
-          <a:lnRef idx="2">
-            <a:schemeClr val="accent1">
-              <a:shade val="50000"/>
-            </a:schemeClr>
-          </a:lnRef>
-          <a:fillRef idx="1">
-            <a:schemeClr val="accent1"/>
-          </a:fillRef>
-          <a:effectRef idx="0">
-            <a:schemeClr val="accent1"/>
-          </a:effectRef>
-          <a:fontRef idx="minor">
-            <a:schemeClr val="lt1"/>
-          </a:fontRef>
-        </p:style>
-        <p:txBody>
-          <a:bodyPr rtlCol="0" anchor="ctr"/>
-          <a:lstStyle/>
-          <a:p>
-            <a:pPr algn="ctr"/>
-            <a:endParaRPr lang="ko-KR" altLang="en-US"/>
-          </a:p>
-        </p:txBody>
-      </p:sp>
+            <a:ln>
+              <a:solidFill>
+                <a:schemeClr val="tx1"/>
+              </a:solidFill>
+            </a:ln>
+          </p:spPr>
+          <p:style>
+            <a:lnRef idx="2">
+              <a:schemeClr val="accent1">
+                <a:shade val="50000"/>
+              </a:schemeClr>
+            </a:lnRef>
+            <a:fillRef idx="1">
+              <a:schemeClr val="accent1"/>
+            </a:fillRef>
+            <a:effectRef idx="0">
+              <a:schemeClr val="accent1"/>
+            </a:effectRef>
+            <a:fontRef idx="minor">
+              <a:schemeClr val="lt1"/>
+            </a:fontRef>
+          </p:style>
+          <p:txBody>
+            <a:bodyPr rtlCol="0" anchor="ctr"/>
+            <a:lstStyle/>
+            <a:p>
+              <a:pPr algn="ctr"/>
+              <a:endParaRPr lang="ko-KR" altLang="en-US"/>
+            </a:p>
+          </p:txBody>
+        </p:sp>
+        <p:sp>
+          <p:nvSpPr>
+            <p:cNvPr id="44" name="TextBox 43"/>
+            <p:cNvSpPr txBox="1"/>
+            <p:nvPr/>
+          </p:nvSpPr>
+          <p:spPr>
+            <a:xfrm>
+              <a:off x="6457557" y="1058512"/>
+              <a:ext cx="1107996" cy="369332"/>
+            </a:xfrm>
+            <a:prstGeom prst="rect">
+              <a:avLst/>
+            </a:prstGeom>
+            <a:noFill/>
+          </p:spPr>
+          <p:txBody>
+            <a:bodyPr wrap="none" rtlCol="0">
+              <a:spAutoFit/>
+            </a:bodyPr>
+            <a:lstStyle/>
+            <a:p>
+              <a:r>
+                <a:rPr lang="ko-KR" altLang="en-US" dirty="0" smtClean="0"/>
+                <a:t>아크릴판</a:t>
+              </a:r>
+              <a:endParaRPr lang="ko-KR" altLang="en-US" dirty="0"/>
+            </a:p>
+          </p:txBody>
+        </p:sp>
+        <p:sp>
+          <p:nvSpPr>
+            <p:cNvPr id="5" name="자유형 4"/>
+            <p:cNvSpPr/>
+            <p:nvPr/>
+          </p:nvSpPr>
+          <p:spPr>
+            <a:xfrm>
+              <a:off x="8240358" y="2807745"/>
+              <a:ext cx="992149" cy="3415549"/>
+            </a:xfrm>
+            <a:custGeom>
+              <a:avLst/>
+              <a:gdLst>
+                <a:gd name="connsiteX0" fmla="*/ 602428 w 992149"/>
+                <a:gd name="connsiteY0" fmla="*/ 0 h 2452743"/>
+                <a:gd name="connsiteX1" fmla="*/ 968188 w 992149"/>
+                <a:gd name="connsiteY1" fmla="*/ 1420009 h 2452743"/>
+                <a:gd name="connsiteX2" fmla="*/ 0 w 992149"/>
+                <a:gd name="connsiteY2" fmla="*/ 2452743 h 2452743"/>
+              </a:gdLst>
+              <a:ahLst/>
+              <a:cxnLst>
+                <a:cxn ang="0">
+                  <a:pos x="connsiteX0" y="connsiteY0"/>
+                </a:cxn>
+                <a:cxn ang="0">
+                  <a:pos x="connsiteX1" y="connsiteY1"/>
+                </a:cxn>
+                <a:cxn ang="0">
+                  <a:pos x="connsiteX2" y="connsiteY2"/>
+                </a:cxn>
+              </a:cxnLst>
+              <a:rect l="l" t="t" r="r" b="b"/>
+              <a:pathLst>
+                <a:path w="992149" h="2452743">
+                  <a:moveTo>
+                    <a:pt x="602428" y="0"/>
+                  </a:moveTo>
+                  <a:cubicBezTo>
+                    <a:pt x="835510" y="505609"/>
+                    <a:pt x="1068593" y="1011219"/>
+                    <a:pt x="968188" y="1420009"/>
+                  </a:cubicBezTo>
+                  <a:cubicBezTo>
+                    <a:pt x="867783" y="1828800"/>
+                    <a:pt x="433891" y="2140771"/>
+                    <a:pt x="0" y="2452743"/>
+                  </a:cubicBezTo>
+                </a:path>
+              </a:pathLst>
+            </a:custGeom>
+            <a:noFill/>
+            <a:ln w="28575">
+              <a:solidFill>
+                <a:schemeClr val="tx1"/>
+              </a:solidFill>
+            </a:ln>
+          </p:spPr>
+          <p:style>
+            <a:lnRef idx="2">
+              <a:schemeClr val="accent1">
+                <a:shade val="50000"/>
+              </a:schemeClr>
+            </a:lnRef>
+            <a:fillRef idx="1">
+              <a:schemeClr val="accent1"/>
+            </a:fillRef>
+            <a:effectRef idx="0">
+              <a:schemeClr val="accent1"/>
+            </a:effectRef>
+            <a:fontRef idx="minor">
+              <a:schemeClr val="lt1"/>
+            </a:fontRef>
+          </p:style>
+          <p:txBody>
+            <a:bodyPr rtlCol="0" anchor="ctr"/>
+            <a:lstStyle/>
+            <a:p>
+              <a:pPr algn="ctr"/>
+              <a:endParaRPr lang="ko-KR" altLang="en-US"/>
+            </a:p>
+          </p:txBody>
+        </p:sp>
+        <p:sp>
+          <p:nvSpPr>
+            <p:cNvPr id="37" name="자유형 36"/>
+            <p:cNvSpPr/>
+            <p:nvPr/>
+          </p:nvSpPr>
+          <p:spPr>
+            <a:xfrm>
+              <a:off x="8272590" y="2527300"/>
+              <a:ext cx="1063523" cy="3387871"/>
+            </a:xfrm>
+            <a:custGeom>
+              <a:avLst/>
+              <a:gdLst>
+                <a:gd name="connsiteX0" fmla="*/ 602428 w 992149"/>
+                <a:gd name="connsiteY0" fmla="*/ 0 h 2452743"/>
+                <a:gd name="connsiteX1" fmla="*/ 968188 w 992149"/>
+                <a:gd name="connsiteY1" fmla="*/ 1420009 h 2452743"/>
+                <a:gd name="connsiteX2" fmla="*/ 0 w 992149"/>
+                <a:gd name="connsiteY2" fmla="*/ 2452743 h 2452743"/>
+              </a:gdLst>
+              <a:ahLst/>
+              <a:cxnLst>
+                <a:cxn ang="0">
+                  <a:pos x="connsiteX0" y="connsiteY0"/>
+                </a:cxn>
+                <a:cxn ang="0">
+                  <a:pos x="connsiteX1" y="connsiteY1"/>
+                </a:cxn>
+                <a:cxn ang="0">
+                  <a:pos x="connsiteX2" y="connsiteY2"/>
+                </a:cxn>
+              </a:cxnLst>
+              <a:rect l="l" t="t" r="r" b="b"/>
+              <a:pathLst>
+                <a:path w="992149" h="2452743">
+                  <a:moveTo>
+                    <a:pt x="602428" y="0"/>
+                  </a:moveTo>
+                  <a:cubicBezTo>
+                    <a:pt x="835510" y="505609"/>
+                    <a:pt x="1068593" y="1011219"/>
+                    <a:pt x="968188" y="1420009"/>
+                  </a:cubicBezTo>
+                  <a:cubicBezTo>
+                    <a:pt x="867783" y="1828800"/>
+                    <a:pt x="433891" y="2140771"/>
+                    <a:pt x="0" y="2452743"/>
+                  </a:cubicBezTo>
+                </a:path>
+              </a:pathLst>
+            </a:custGeom>
+            <a:noFill/>
+            <a:ln w="28575">
+              <a:solidFill>
+                <a:schemeClr val="tx1"/>
+              </a:solidFill>
+            </a:ln>
+          </p:spPr>
+          <p:style>
+            <a:lnRef idx="2">
+              <a:schemeClr val="accent1">
+                <a:shade val="50000"/>
+              </a:schemeClr>
+            </a:lnRef>
+            <a:fillRef idx="1">
+              <a:schemeClr val="accent1"/>
+            </a:fillRef>
+            <a:effectRef idx="0">
+              <a:schemeClr val="accent1"/>
+            </a:effectRef>
+            <a:fontRef idx="minor">
+              <a:schemeClr val="lt1"/>
+            </a:fontRef>
+          </p:style>
+          <p:txBody>
+            <a:bodyPr rtlCol="0" anchor="ctr"/>
+            <a:lstStyle/>
+            <a:p>
+              <a:pPr algn="ctr"/>
+              <a:endParaRPr lang="ko-KR" altLang="en-US"/>
+            </a:p>
+          </p:txBody>
+        </p:sp>
+        <p:sp>
+          <p:nvSpPr>
+            <p:cNvPr id="38" name="자유형 37"/>
+            <p:cNvSpPr/>
+            <p:nvPr/>
+          </p:nvSpPr>
+          <p:spPr>
+            <a:xfrm>
+              <a:off x="8343964" y="2309265"/>
+              <a:ext cx="992149" cy="3355456"/>
+            </a:xfrm>
+            <a:custGeom>
+              <a:avLst/>
+              <a:gdLst>
+                <a:gd name="connsiteX0" fmla="*/ 602428 w 992149"/>
+                <a:gd name="connsiteY0" fmla="*/ 0 h 2452743"/>
+                <a:gd name="connsiteX1" fmla="*/ 968188 w 992149"/>
+                <a:gd name="connsiteY1" fmla="*/ 1420009 h 2452743"/>
+                <a:gd name="connsiteX2" fmla="*/ 0 w 992149"/>
+                <a:gd name="connsiteY2" fmla="*/ 2452743 h 2452743"/>
+              </a:gdLst>
+              <a:ahLst/>
+              <a:cxnLst>
+                <a:cxn ang="0">
+                  <a:pos x="connsiteX0" y="connsiteY0"/>
+                </a:cxn>
+                <a:cxn ang="0">
+                  <a:pos x="connsiteX1" y="connsiteY1"/>
+                </a:cxn>
+                <a:cxn ang="0">
+                  <a:pos x="connsiteX2" y="connsiteY2"/>
+                </a:cxn>
+              </a:cxnLst>
+              <a:rect l="l" t="t" r="r" b="b"/>
+              <a:pathLst>
+                <a:path w="992149" h="2452743">
+                  <a:moveTo>
+                    <a:pt x="602428" y="0"/>
+                  </a:moveTo>
+                  <a:cubicBezTo>
+                    <a:pt x="835510" y="505609"/>
+                    <a:pt x="1068593" y="1011219"/>
+                    <a:pt x="968188" y="1420009"/>
+                  </a:cubicBezTo>
+                  <a:cubicBezTo>
+                    <a:pt x="867783" y="1828800"/>
+                    <a:pt x="433891" y="2140771"/>
+                    <a:pt x="0" y="2452743"/>
+                  </a:cubicBezTo>
+                </a:path>
+              </a:pathLst>
+            </a:custGeom>
+            <a:noFill/>
+            <a:ln w="28575">
+              <a:solidFill>
+                <a:schemeClr val="tx1"/>
+              </a:solidFill>
+            </a:ln>
+          </p:spPr>
+          <p:style>
+            <a:lnRef idx="2">
+              <a:schemeClr val="accent1">
+                <a:shade val="50000"/>
+              </a:schemeClr>
+            </a:lnRef>
+            <a:fillRef idx="1">
+              <a:schemeClr val="accent1"/>
+            </a:fillRef>
+            <a:effectRef idx="0">
+              <a:schemeClr val="accent1"/>
+            </a:effectRef>
+            <a:fontRef idx="minor">
+              <a:schemeClr val="lt1"/>
+            </a:fontRef>
+          </p:style>
+          <p:txBody>
+            <a:bodyPr rtlCol="0" anchor="ctr"/>
+            <a:lstStyle/>
+            <a:p>
+              <a:pPr algn="ctr"/>
+              <a:endParaRPr lang="ko-KR" altLang="en-US"/>
+            </a:p>
+          </p:txBody>
+        </p:sp>
+        <p:sp>
+          <p:nvSpPr>
+            <p:cNvPr id="39" name="자유형 38"/>
+            <p:cNvSpPr/>
+            <p:nvPr/>
+          </p:nvSpPr>
+          <p:spPr>
+            <a:xfrm>
+              <a:off x="8355774" y="2058815"/>
+              <a:ext cx="962841" cy="3415710"/>
+            </a:xfrm>
+            <a:custGeom>
+              <a:avLst/>
+              <a:gdLst>
+                <a:gd name="connsiteX0" fmla="*/ 602428 w 992149"/>
+                <a:gd name="connsiteY0" fmla="*/ 0 h 2452743"/>
+                <a:gd name="connsiteX1" fmla="*/ 968188 w 992149"/>
+                <a:gd name="connsiteY1" fmla="*/ 1420009 h 2452743"/>
+                <a:gd name="connsiteX2" fmla="*/ 0 w 992149"/>
+                <a:gd name="connsiteY2" fmla="*/ 2452743 h 2452743"/>
+              </a:gdLst>
+              <a:ahLst/>
+              <a:cxnLst>
+                <a:cxn ang="0">
+                  <a:pos x="connsiteX0" y="connsiteY0"/>
+                </a:cxn>
+                <a:cxn ang="0">
+                  <a:pos x="connsiteX1" y="connsiteY1"/>
+                </a:cxn>
+                <a:cxn ang="0">
+                  <a:pos x="connsiteX2" y="connsiteY2"/>
+                </a:cxn>
+              </a:cxnLst>
+              <a:rect l="l" t="t" r="r" b="b"/>
+              <a:pathLst>
+                <a:path w="992149" h="2452743">
+                  <a:moveTo>
+                    <a:pt x="602428" y="0"/>
+                  </a:moveTo>
+                  <a:cubicBezTo>
+                    <a:pt x="835510" y="505609"/>
+                    <a:pt x="1068593" y="1011219"/>
+                    <a:pt x="968188" y="1420009"/>
+                  </a:cubicBezTo>
+                  <a:cubicBezTo>
+                    <a:pt x="867783" y="1828800"/>
+                    <a:pt x="433891" y="2140771"/>
+                    <a:pt x="0" y="2452743"/>
+                  </a:cubicBezTo>
+                </a:path>
+              </a:pathLst>
+            </a:custGeom>
+            <a:noFill/>
+            <a:ln w="28575">
+              <a:solidFill>
+                <a:schemeClr val="tx1"/>
+              </a:solidFill>
+            </a:ln>
+          </p:spPr>
+          <p:style>
+            <a:lnRef idx="2">
+              <a:schemeClr val="accent1">
+                <a:shade val="50000"/>
+              </a:schemeClr>
+            </a:lnRef>
+            <a:fillRef idx="1">
+              <a:schemeClr val="accent1"/>
+            </a:fillRef>
+            <a:effectRef idx="0">
+              <a:schemeClr val="accent1"/>
+            </a:effectRef>
+            <a:fontRef idx="minor">
+              <a:schemeClr val="lt1"/>
+            </a:fontRef>
+          </p:style>
+          <p:txBody>
+            <a:bodyPr rtlCol="0" anchor="ctr"/>
+            <a:lstStyle/>
+            <a:p>
+              <a:pPr algn="ctr"/>
+              <a:endParaRPr lang="ko-KR" altLang="en-US"/>
+            </a:p>
+          </p:txBody>
+        </p:sp>
+      </p:grpSp>
     </p:spTree>
     <p:extLst>
       <p:ext uri="{BB962C8B-B14F-4D97-AF65-F5344CB8AC3E}">
